--- a/Team_11_Capstone_PyladiesAms_v.3.pptx
+++ b/Team_11_Capstone_PyladiesAms_v.3.pptx
@@ -11201,7 +11201,7 @@
                 <a:spcPct val="100000"/>
               </a:lnSpc>
             </a:pPr>
-            <a:fld id="{60418EC1-810D-49DD-820F-DB405A9C230A}" type="slidenum">
+            <a:fld id="{554E5460-14F4-4B14-973C-D5D8186DF978}" type="slidenum">
               <a:rPr b="0" lang="en" sz="1000" spc="-1" strike="noStrike">
                 <a:solidFill>
                   <a:srgbClr val="1d1d1b"/>
@@ -11445,7 +11445,7 @@
                 <a:spcPct val="100000"/>
               </a:lnSpc>
             </a:pPr>
-            <a:fld id="{0F85752C-4C0C-4D8D-87FB-5E697207E08B}" type="slidenum">
+            <a:fld id="{CBF16F0D-8FF8-4B33-87D9-399D832A8323}" type="slidenum">
               <a:rPr b="0" lang="en" sz="1000" spc="-1" strike="noStrike">
                 <a:solidFill>
                   <a:srgbClr val="1d1d1b"/>
@@ -11910,7 +11910,7 @@
                 <a:spcPct val="100000"/>
               </a:lnSpc>
             </a:pPr>
-            <a:fld id="{11FED337-5220-4010-A55E-5248E86C4D36}" type="slidenum">
+            <a:fld id="{20BD1954-E072-454A-8883-37358AC319BD}" type="slidenum">
               <a:rPr b="0" lang="en" sz="1000" spc="-1" strike="noStrike">
                 <a:solidFill>
                   <a:srgbClr val="1d1d1b"/>
@@ -13038,7 +13038,7 @@
                 <a:spcPct val="100000"/>
               </a:lnSpc>
             </a:pPr>
-            <a:fld id="{FEFF93CD-26EE-4CE1-9CC6-39E70C984A48}" type="slidenum">
+            <a:fld id="{56342797-B092-4BEB-A5C0-F495B019A3AB}" type="slidenum">
               <a:rPr b="0" lang="en" sz="1000" spc="-1" strike="noStrike">
                 <a:solidFill>
                   <a:srgbClr val="1d1d1b"/>
@@ -13127,7 +13127,7 @@
                 <a:spcPct val="100000"/>
               </a:lnSpc>
             </a:pPr>
-            <a:fld id="{559E73E7-5E17-4B93-B69D-2431CF89C38B}" type="slidenum">
+            <a:fld id="{59E8648C-4F13-48E6-8ADB-3A66AE074323}" type="slidenum">
               <a:rPr b="0" lang="en" sz="1000" spc="-1" strike="noStrike">
                 <a:solidFill>
                   <a:srgbClr val="1d1d1b"/>
@@ -13549,7 +13549,7 @@
                 <a:spcPct val="100000"/>
               </a:lnSpc>
             </a:pPr>
-            <a:fld id="{0DACE7B1-463A-49F2-8F11-5685E5C63D67}" type="slidenum">
+            <a:fld id="{9BD1D709-12EF-4E85-8881-74A72DC92076}" type="slidenum">
               <a:rPr b="0" lang="en" sz="1000" spc="-1" strike="noStrike">
                 <a:solidFill>
                   <a:srgbClr val="1d1d1b"/>
@@ -14598,9 +14598,7 @@
           <p:nvPr/>
         </p:nvPicPr>
         <p:blipFill>
-          <a:blip r:embed="rId1">
-            <a:alphaModFix amt="50000"/>
-          </a:blip>
+          <a:blip r:embed="rId1"/>
           <a:stretch/>
         </p:blipFill>
         <p:spPr>
@@ -14791,19 +14789,6 @@
               <a:t>1 </a:t>
             </a:r>
             <a:r>
-              <a:rPr b="0" lang="es-MX" sz="1400" spc="-1" strike="noStrike">
-                <a:solidFill>
-                  <a:srgbClr val="000000"/>
-                </a:solidFill>
-                <a:highlight>
-                  <a:srgbClr val="ffcd00"/>
-                </a:highlight>
-                <a:latin typeface="Quattrocento Sans"/>
-                <a:ea typeface="Quattrocento Sans"/>
-              </a:rPr>
-              <a:t>Distribution of app prices </a:t>
-            </a:r>
-            <a:r>
               <a:rPr b="0" lang="en-US" sz="1400" spc="-1" strike="noStrike">
                 <a:solidFill>
                   <a:srgbClr val="000000"/>
@@ -14812,9 +14797,9 @@
                   <a:srgbClr val="ffcd00"/>
                 </a:highlight>
                 <a:latin typeface="Quattrocento Sans"/>
-                <a:ea typeface="Quattrocento Sans"/>
+                <a:ea typeface="Arial"/>
               </a:rPr>
-              <a:t>(number of available apps per price plotted as histogram)</a:t>
+              <a:t>How does the distribution of apps per price look like?</a:t>
             </a:r>
             <a:endParaRPr b="0" lang="en-US" sz="1400" spc="-1" strike="noStrike">
               <a:solidFill>
@@ -14854,7 +14839,7 @@
                 <a:spcPct val="100000"/>
               </a:lnSpc>
             </a:pPr>
-            <a:fld id="{34C45424-DFAE-4D55-BCD2-2BAF7CBDD345}" type="slidenum">
+            <a:fld id="{557C7A6A-AAC0-4C93-8BCC-AC80496021D3}" type="slidenum">
               <a:rPr b="0" lang="en" sz="1000" spc="-1" strike="noStrike">
                 <a:solidFill>
                   <a:srgbClr val="1d1d1b"/>
@@ -14947,9 +14932,7 @@
           <p:nvPr/>
         </p:nvPicPr>
         <p:blipFill>
-          <a:blip r:embed="rId1">
-            <a:alphaModFix amt="50000"/>
-          </a:blip>
+          <a:blip r:embed="rId1"/>
           <a:stretch/>
         </p:blipFill>
         <p:spPr>
@@ -15025,7 +15008,7 @@
             </a:endParaRPr>
           </a:p>
           <a:p>
-            <a:pPr marL="216000" indent="-216000">
+            <a:pPr marL="216000" indent="-216000" algn="just">
               <a:lnSpc>
                 <a:spcPct val="100000"/>
               </a:lnSpc>
@@ -15050,7 +15033,7 @@
             </a:endParaRPr>
           </a:p>
           <a:p>
-            <a:pPr marL="216000" indent="-216000">
+            <a:pPr marL="216000" indent="-216000" algn="just">
               <a:lnSpc>
                 <a:spcPct val="100000"/>
               </a:lnSpc>
@@ -15761,7 +15744,7 @@
                 <a:spcPct val="100000"/>
               </a:lnSpc>
             </a:pPr>
-            <a:fld id="{5CC94E6D-8726-4053-AA6B-A9B660FB5E27}" type="slidenum">
+            <a:fld id="{F37740AE-41E6-4F03-AED6-3D72D9509A13}" type="slidenum">
               <a:rPr b="0" lang="en" sz="1000" spc="-1" strike="noStrike">
                 <a:solidFill>
                   <a:srgbClr val="1d1d1b"/>
@@ -15950,7 +15933,7 @@
                 <a:latin typeface="Quattrocento Sans"/>
                 <a:ea typeface="Arial"/>
               </a:rPr>
-              <a:t>A bit more apps get lower rating per current version than higher.</a:t>
+              <a:t>A bit more apps get lower rating per current version than higher</a:t>
             </a:r>
             <a:endParaRPr b="0" lang="en-US" sz="1400" spc="-1" strike="noStrike">
               <a:latin typeface="Arial"/>
@@ -16476,9 +16459,7 @@
           <p:nvPr/>
         </p:nvPicPr>
         <p:blipFill>
-          <a:blip r:embed="rId1">
-            <a:alphaModFix amt="50000"/>
-          </a:blip>
+          <a:blip r:embed="rId1"/>
           <a:stretch/>
         </p:blipFill>
         <p:spPr>
@@ -16668,7 +16649,7 @@
                 <a:spcPct val="100000"/>
               </a:lnSpc>
             </a:pPr>
-            <a:fld id="{E5A3F190-D908-4072-8F05-3A1A9134F140}" type="slidenum">
+            <a:fld id="{5C679525-F429-4EE4-A5E6-B844E940F19B}" type="slidenum">
               <a:rPr b="0" lang="en" sz="1000" spc="-1" strike="noStrike">
                 <a:solidFill>
                   <a:srgbClr val="1d1d1b"/>
@@ -16763,7 +16744,7 @@
         <p:spPr>
           <a:xfrm>
             <a:off x="4498920" y="2353680"/>
-            <a:ext cx="3939120" cy="1581480"/>
+            <a:ext cx="3939120" cy="1582200"/>
           </a:xfrm>
           <a:prstGeom prst="rect">
             <a:avLst/>
@@ -17383,9 +17364,7 @@
           <p:nvPr/>
         </p:nvPicPr>
         <p:blipFill>
-          <a:blip r:embed="rId1">
-            <a:alphaModFix amt="50000"/>
-          </a:blip>
+          <a:blip r:embed="rId1"/>
           <a:stretch/>
         </p:blipFill>
         <p:spPr>
@@ -17575,7 +17554,7 @@
                 <a:spcPct val="100000"/>
               </a:lnSpc>
             </a:pPr>
-            <a:fld id="{98E0AAA9-0EAA-4CD4-9514-C1381775278B}" type="slidenum">
+            <a:fld id="{7677CAC2-255F-463E-AC1C-BDF02D647D69}" type="slidenum">
               <a:rPr b="0" lang="en" sz="1000" spc="-1" strike="noStrike">
                 <a:solidFill>
                   <a:srgbClr val="1d1d1b"/>
@@ -17669,8 +17648,8 @@
         </p:nvSpPr>
         <p:spPr>
           <a:xfrm>
-            <a:off x="4498920" y="2353680"/>
-            <a:ext cx="3939120" cy="1795320"/>
+            <a:off x="907200" y="2217960"/>
+            <a:ext cx="3939120" cy="2007720"/>
           </a:xfrm>
           <a:prstGeom prst="rect">
             <a:avLst/>
@@ -17706,6 +17685,16 @@
               </a:rPr>
               <a:t>Conclusion:</a:t>
             </a:r>
+            <a:endParaRPr b="0" lang="en-US" sz="1400" spc="-1" strike="noStrike">
+              <a:latin typeface="Arial"/>
+            </a:endParaRPr>
+          </a:p>
+          <a:p>
+            <a:pPr algn="ctr">
+              <a:lnSpc>
+                <a:spcPct val="100000"/>
+              </a:lnSpc>
+            </a:pPr>
             <a:endParaRPr b="0" lang="en-US" sz="1400" spc="-1" strike="noStrike">
               <a:latin typeface="Arial"/>
             </a:endParaRPr>
@@ -18315,14 +18304,12 @@
           <p:nvPr/>
         </p:nvPicPr>
         <p:blipFill>
-          <a:blip r:embed="rId1">
-            <a:alphaModFix amt="50000"/>
-          </a:blip>
+          <a:blip r:embed="rId1"/>
           <a:stretch/>
         </p:blipFill>
         <p:spPr>
           <a:xfrm>
-            <a:off x="844560" y="1868400"/>
+            <a:off x="4993200" y="1909080"/>
             <a:ext cx="3429360" cy="2913840"/>
           </a:xfrm>
           <a:prstGeom prst="rect">
@@ -18467,7 +18454,7 @@
                 <a:latin typeface="Quattrocento Sans"/>
                 <a:ea typeface="Quattrocento Sans"/>
               </a:rPr>
-              <a:t>How many apps are there per genre? what percentage do they represent?</a:t>
+              <a:t>How many apps are there per genre? What percentage do they represent?</a:t>
             </a:r>
             <a:endParaRPr b="0" lang="en-US" sz="1400" spc="-1" strike="noStrike">
               <a:solidFill>
@@ -18507,7 +18494,7 @@
                 <a:spcPct val="100000"/>
               </a:lnSpc>
             </a:pPr>
-            <a:fld id="{F0DA211E-09BA-4ADF-8493-D3D24828BD15}" type="slidenum">
+            <a:fld id="{5D289795-7F19-474F-A9E9-548AD1A5223B}" type="slidenum">
               <a:rPr b="0" lang="en" sz="1000" spc="-1" strike="noStrike">
                 <a:solidFill>
                   <a:srgbClr val="1d1d1b"/>
@@ -19222,9 +19209,7 @@
           <p:nvPr/>
         </p:nvPicPr>
         <p:blipFill>
-          <a:blip r:embed="rId1">
-            <a:alphaModFix amt="50000"/>
-          </a:blip>
+          <a:blip r:embed="rId1"/>
           <a:stretch/>
         </p:blipFill>
         <p:spPr>
@@ -19414,7 +19399,7 @@
                 <a:spcPct val="100000"/>
               </a:lnSpc>
             </a:pPr>
-            <a:fld id="{FBFE8FF7-8E79-4077-93D7-3D0B2F9A9F26}" type="slidenum">
+            <a:fld id="{EC659FC5-6408-4B04-9F6C-C328F04C2180}" type="slidenum">
               <a:rPr b="0" lang="en" sz="1000" spc="-1" strike="noStrike">
                 <a:solidFill>
                   <a:srgbClr val="1d1d1b"/>
@@ -20011,16 +19996,40 @@
           </p:style>
         </p:sp>
       </p:grpSp>
+      <p:pic>
+        <p:nvPicPr>
+          <p:cNvPr id="468" name="" descr=""/>
+          <p:cNvPicPr/>
+          <p:nvPr/>
+        </p:nvPicPr>
+        <p:blipFill>
+          <a:blip r:embed="rId1"/>
+          <a:srcRect l="0" t="12974" r="0" b="7814"/>
+          <a:stretch/>
+        </p:blipFill>
+        <p:spPr>
+          <a:xfrm>
+            <a:off x="844560" y="2026800"/>
+            <a:ext cx="4846320" cy="2558880"/>
+          </a:xfrm>
+          <a:prstGeom prst="rect">
+            <a:avLst/>
+          </a:prstGeom>
+          <a:ln>
+            <a:noFill/>
+          </a:ln>
+        </p:spPr>
+      </p:pic>
       <p:sp>
         <p:nvSpPr>
-          <p:cNvPr id="468" name="CustomShape 11"/>
+          <p:cNvPr id="469" name="CustomShape 11"/>
           <p:cNvSpPr/>
           <p:nvPr/>
         </p:nvSpPr>
         <p:spPr>
           <a:xfrm>
-            <a:off x="5669280" y="2083680"/>
-            <a:ext cx="3108960" cy="2974320"/>
+            <a:off x="5597280" y="1867680"/>
+            <a:ext cx="3108600" cy="3188880"/>
           </a:xfrm>
           <a:prstGeom prst="rect">
             <a:avLst/>
@@ -20097,13 +20106,14 @@
               <a:t>- </a:t>
             </a:r>
             <a:r>
-              <a:rPr b="1" lang="es-MX" sz="1200" spc="-1" strike="noStrike">
+              <a:rPr b="1" lang="es-MX" sz="1200" spc="-1" strike="noStrike" u="sng">
                 <a:solidFill>
                   <a:srgbClr val="000000"/>
                 </a:solidFill>
+                <a:uFillTx/>
                 <a:latin typeface="Quattrocento Sans"/>
                 <a:ea typeface="Arial"/>
-                <a:hlinkClick r:id="rId1"/>
+                <a:hlinkClick r:id="rId2"/>
               </a:rPr>
               <a:t>interactive graph</a:t>
             </a:r>
@@ -20152,7 +20162,7 @@
             </a:endParaRPr>
           </a:p>
           <a:p>
-            <a:pPr marL="216000" indent="-216000" algn="just">
+            <a:pPr marL="216000" indent="-215640" algn="just">
               <a:lnSpc>
                 <a:spcPct val="100000"/>
               </a:lnSpc>
@@ -20177,7 +20187,7 @@
             </a:endParaRPr>
           </a:p>
           <a:p>
-            <a:pPr marL="216000" indent="-216000" algn="just">
+            <a:pPr marL="216000" indent="-215640" algn="just">
               <a:lnSpc>
                 <a:spcPct val="100000"/>
               </a:lnSpc>
@@ -20202,7 +20212,7 @@
             </a:endParaRPr>
           </a:p>
           <a:p>
-            <a:pPr marL="216000" indent="-216000" algn="just">
+            <a:pPr marL="216000" indent="-215640" algn="just">
               <a:lnSpc>
                 <a:spcPct val="100000"/>
               </a:lnSpc>
@@ -20248,32 +20258,6 @@
           </a:p>
         </p:txBody>
       </p:sp>
-      <p:pic>
-        <p:nvPicPr>
-          <p:cNvPr id="469" name="" descr=""/>
-          <p:cNvPicPr/>
-          <p:nvPr/>
-        </p:nvPicPr>
-        <p:blipFill>
-          <a:blip r:embed="rId2">
-            <a:alphaModFix amt="50000"/>
-          </a:blip>
-          <a:srcRect l="0" t="11991" r="2400" b="20816"/>
-          <a:stretch/>
-        </p:blipFill>
-        <p:spPr>
-          <a:xfrm>
-            <a:off x="457200" y="2011680"/>
-            <a:ext cx="5029200" cy="2307960"/>
-          </a:xfrm>
-          <a:prstGeom prst="rect">
-            <a:avLst/>
-          </a:prstGeom>
-          <a:ln>
-            <a:noFill/>
-          </a:ln>
-        </p:spPr>
-      </p:pic>
     </p:spTree>
   </p:cSld>
   <mc:AlternateContent>
@@ -20480,7 +20464,7 @@
                 <a:spcPct val="100000"/>
               </a:lnSpc>
             </a:pPr>
-            <a:fld id="{2E4C8131-CEED-4B8D-8637-5ECEE0738750}" type="slidenum">
+            <a:fld id="{5AE22958-986B-4DFB-90D1-C4CD5FB0F4FB}" type="slidenum">
               <a:rPr b="0" lang="en" sz="1000" spc="-1" strike="noStrike">
                 <a:solidFill>
                   <a:srgbClr val="1d1d1b"/>
@@ -21589,7 +21573,7 @@
                 <a:latin typeface="Lora"/>
                 <a:ea typeface="Lora"/>
               </a:rPr>
-              <a:t>A bit further </a:t>
+              <a:t>A bit furher </a:t>
             </a:r>
             <a:endParaRPr b="0" lang="en-US" sz="2000" spc="-1" strike="noStrike">
               <a:solidFill>
@@ -21608,7 +21592,7 @@
         </p:nvSpPr>
         <p:spPr>
           <a:xfrm>
-            <a:off x="844560" y="1433880"/>
+            <a:off x="844560" y="1423800"/>
             <a:ext cx="7698600" cy="742680"/>
           </a:xfrm>
           <a:prstGeom prst="rect">
@@ -21656,7 +21640,7 @@
                 <a:latin typeface="Quattrocento Sans"/>
                 <a:ea typeface="Quattrocento Sans"/>
               </a:rPr>
-              <a:t> How does the average user rating value depend on number of user rating counts (all version)?</a:t>
+              <a:t> How does the average user rating value depend on number of user rating counts (all versions)?</a:t>
             </a:r>
             <a:endParaRPr b="0" lang="en-US" sz="1400" spc="-1" strike="noStrike">
               <a:solidFill>
@@ -21696,7 +21680,7 @@
                 <a:spcPct val="100000"/>
               </a:lnSpc>
             </a:pPr>
-            <a:fld id="{4FEC196E-56E8-416F-B7FC-F84B083CB81E}" type="slidenum">
+            <a:fld id="{4AB3958A-25E1-446E-83B4-3F3D7C78BB77}" type="slidenum">
               <a:rPr b="0" lang="en" sz="1000" spc="-1" strike="noStrike">
                 <a:solidFill>
                   <a:srgbClr val="1d1d1b"/>
@@ -21782,16 +21766,1088 @@
           </a:p>
         </p:txBody>
       </p:sp>
+      <p:pic>
+        <p:nvPicPr>
+          <p:cNvPr id="483" name="Picture 1" descr=""/>
+          <p:cNvPicPr/>
+          <p:nvPr/>
+        </p:nvPicPr>
+        <p:blipFill>
+          <a:blip r:embed="rId1"/>
+          <a:stretch/>
+        </p:blipFill>
+        <p:spPr>
+          <a:xfrm>
+            <a:off x="4329720" y="2247120"/>
+            <a:ext cx="4076640" cy="1363680"/>
+          </a:xfrm>
+          <a:prstGeom prst="rect">
+            <a:avLst/>
+          </a:prstGeom>
+          <a:ln>
+            <a:noFill/>
+          </a:ln>
+        </p:spPr>
+      </p:pic>
+      <p:pic>
+        <p:nvPicPr>
+          <p:cNvPr id="484" name="Picture 2" descr=""/>
+          <p:cNvPicPr/>
+          <p:nvPr/>
+        </p:nvPicPr>
+        <p:blipFill>
+          <a:blip r:embed="rId2"/>
+          <a:stretch/>
+        </p:blipFill>
+        <p:spPr>
+          <a:xfrm>
+            <a:off x="671040" y="2176560"/>
+            <a:ext cx="3519360" cy="2250720"/>
+          </a:xfrm>
+          <a:prstGeom prst="rect">
+            <a:avLst/>
+          </a:prstGeom>
+          <a:ln>
+            <a:noFill/>
+          </a:ln>
+        </p:spPr>
+      </p:pic>
+      <p:grpSp>
+        <p:nvGrpSpPr>
+          <p:cNvPr id="485" name="Group 5"/>
+          <p:cNvGrpSpPr/>
+          <p:nvPr/>
+        </p:nvGrpSpPr>
+        <p:grpSpPr>
+          <a:xfrm>
+            <a:off x="844560" y="968400"/>
+            <a:ext cx="306000" cy="296640"/>
+            <a:chOff x="844560" y="968400"/>
+            <a:chExt cx="306000" cy="296640"/>
+          </a:xfrm>
+        </p:grpSpPr>
+        <p:sp>
+          <p:nvSpPr>
+            <p:cNvPr id="486" name="CustomShape 6"/>
+            <p:cNvSpPr/>
+            <p:nvPr/>
+          </p:nvSpPr>
+          <p:spPr>
+            <a:xfrm>
+              <a:off x="844560" y="968400"/>
+              <a:ext cx="306000" cy="296640"/>
+            </a:xfrm>
+            <a:custGeom>
+              <a:avLst/>
+              <a:gdLst/>
+              <a:ahLst/>
+              <a:rect l="l" t="t" r="r" b="b"/>
+              <a:pathLst>
+                <a:path w="17683" h="17682">
+                  <a:moveTo>
+                    <a:pt x="11472" y="17292"/>
+                  </a:moveTo>
+                  <a:lnTo>
+                    <a:pt x="11472" y="12153"/>
+                  </a:lnTo>
+                  <a:lnTo>
+                    <a:pt x="16416" y="7209"/>
+                  </a:lnTo>
+                  <a:lnTo>
+                    <a:pt x="16416" y="7209"/>
+                  </a:lnTo>
+                  <a:lnTo>
+                    <a:pt x="16562" y="7063"/>
+                  </a:lnTo>
+                  <a:lnTo>
+                    <a:pt x="16684" y="6868"/>
+                  </a:lnTo>
+                  <a:lnTo>
+                    <a:pt x="16830" y="6674"/>
+                  </a:lnTo>
+                  <a:lnTo>
+                    <a:pt x="16927" y="6479"/>
+                  </a:lnTo>
+                  <a:lnTo>
+                    <a:pt x="17146" y="6040"/>
+                  </a:lnTo>
+                  <a:lnTo>
+                    <a:pt x="17317" y="5553"/>
+                  </a:lnTo>
+                  <a:lnTo>
+                    <a:pt x="17439" y="5042"/>
+                  </a:lnTo>
+                  <a:lnTo>
+                    <a:pt x="17560" y="4506"/>
+                  </a:lnTo>
+                  <a:lnTo>
+                    <a:pt x="17633" y="3970"/>
+                  </a:lnTo>
+                  <a:lnTo>
+                    <a:pt x="17658" y="3434"/>
+                  </a:lnTo>
+                  <a:lnTo>
+                    <a:pt x="17682" y="2898"/>
+                  </a:lnTo>
+                  <a:lnTo>
+                    <a:pt x="17682" y="2411"/>
+                  </a:lnTo>
+                  <a:lnTo>
+                    <a:pt x="17658" y="1949"/>
+                  </a:lnTo>
+                  <a:lnTo>
+                    <a:pt x="17609" y="1510"/>
+                  </a:lnTo>
+                  <a:lnTo>
+                    <a:pt x="17536" y="1145"/>
+                  </a:lnTo>
+                  <a:lnTo>
+                    <a:pt x="17463" y="828"/>
+                  </a:lnTo>
+                  <a:lnTo>
+                    <a:pt x="17366" y="585"/>
+                  </a:lnTo>
+                  <a:lnTo>
+                    <a:pt x="17292" y="487"/>
+                  </a:lnTo>
+                  <a:lnTo>
+                    <a:pt x="17244" y="439"/>
+                  </a:lnTo>
+                  <a:lnTo>
+                    <a:pt x="17244" y="439"/>
+                  </a:lnTo>
+                  <a:lnTo>
+                    <a:pt x="17195" y="390"/>
+                  </a:lnTo>
+                  <a:lnTo>
+                    <a:pt x="17098" y="317"/>
+                  </a:lnTo>
+                  <a:lnTo>
+                    <a:pt x="16854" y="219"/>
+                  </a:lnTo>
+                  <a:lnTo>
+                    <a:pt x="16537" y="146"/>
+                  </a:lnTo>
+                  <a:lnTo>
+                    <a:pt x="16172" y="73"/>
+                  </a:lnTo>
+                  <a:lnTo>
+                    <a:pt x="15734" y="25"/>
+                  </a:lnTo>
+                  <a:lnTo>
+                    <a:pt x="15271" y="0"/>
+                  </a:lnTo>
+                  <a:lnTo>
+                    <a:pt x="14784" y="0"/>
+                  </a:lnTo>
+                  <a:lnTo>
+                    <a:pt x="14248" y="25"/>
+                  </a:lnTo>
+                  <a:lnTo>
+                    <a:pt x="13712" y="49"/>
+                  </a:lnTo>
+                  <a:lnTo>
+                    <a:pt x="13176" y="122"/>
+                  </a:lnTo>
+                  <a:lnTo>
+                    <a:pt x="12641" y="244"/>
+                  </a:lnTo>
+                  <a:lnTo>
+                    <a:pt x="12129" y="366"/>
+                  </a:lnTo>
+                  <a:lnTo>
+                    <a:pt x="11642" y="536"/>
+                  </a:lnTo>
+                  <a:lnTo>
+                    <a:pt x="11204" y="755"/>
+                  </a:lnTo>
+                  <a:lnTo>
+                    <a:pt x="10985" y="853"/>
+                  </a:lnTo>
+                  <a:lnTo>
+                    <a:pt x="10814" y="999"/>
+                  </a:lnTo>
+                  <a:lnTo>
+                    <a:pt x="10619" y="1121"/>
+                  </a:lnTo>
+                  <a:lnTo>
+                    <a:pt x="10473" y="1267"/>
+                  </a:lnTo>
+                  <a:lnTo>
+                    <a:pt x="5529" y="6211"/>
+                  </a:lnTo>
+                  <a:lnTo>
+                    <a:pt x="390" y="6211"/>
+                  </a:lnTo>
+                  <a:lnTo>
+                    <a:pt x="390" y="6211"/>
+                  </a:lnTo>
+                  <a:lnTo>
+                    <a:pt x="244" y="6235"/>
+                  </a:lnTo>
+                  <a:lnTo>
+                    <a:pt x="147" y="6259"/>
+                  </a:lnTo>
+                  <a:lnTo>
+                    <a:pt x="49" y="6308"/>
+                  </a:lnTo>
+                  <a:lnTo>
+                    <a:pt x="0" y="6381"/>
+                  </a:lnTo>
+                  <a:lnTo>
+                    <a:pt x="0" y="6454"/>
+                  </a:lnTo>
+                  <a:lnTo>
+                    <a:pt x="25" y="6552"/>
+                  </a:lnTo>
+                  <a:lnTo>
+                    <a:pt x="74" y="6649"/>
+                  </a:lnTo>
+                  <a:lnTo>
+                    <a:pt x="171" y="6771"/>
+                  </a:lnTo>
+                  <a:lnTo>
+                    <a:pt x="2582" y="9158"/>
+                  </a:lnTo>
+                  <a:lnTo>
+                    <a:pt x="2265" y="9474"/>
+                  </a:lnTo>
+                  <a:lnTo>
+                    <a:pt x="950" y="9718"/>
+                  </a:lnTo>
+                  <a:lnTo>
+                    <a:pt x="950" y="9718"/>
+                  </a:lnTo>
+                  <a:lnTo>
+                    <a:pt x="804" y="9767"/>
+                  </a:lnTo>
+                  <a:lnTo>
+                    <a:pt x="682" y="9815"/>
+                  </a:lnTo>
+                  <a:lnTo>
+                    <a:pt x="609" y="9913"/>
+                  </a:lnTo>
+                  <a:lnTo>
+                    <a:pt x="561" y="9986"/>
+                  </a:lnTo>
+                  <a:lnTo>
+                    <a:pt x="561" y="10083"/>
+                  </a:lnTo>
+                  <a:lnTo>
+                    <a:pt x="585" y="10205"/>
+                  </a:lnTo>
+                  <a:lnTo>
+                    <a:pt x="634" y="10302"/>
+                  </a:lnTo>
+                  <a:lnTo>
+                    <a:pt x="731" y="10424"/>
+                  </a:lnTo>
+                  <a:lnTo>
+                    <a:pt x="7258" y="16951"/>
+                  </a:lnTo>
+                  <a:lnTo>
+                    <a:pt x="7258" y="16951"/>
+                  </a:lnTo>
+                  <a:lnTo>
+                    <a:pt x="7380" y="17049"/>
+                  </a:lnTo>
+                  <a:lnTo>
+                    <a:pt x="7477" y="17097"/>
+                  </a:lnTo>
+                  <a:lnTo>
+                    <a:pt x="7599" y="17122"/>
+                  </a:lnTo>
+                  <a:lnTo>
+                    <a:pt x="7697" y="17122"/>
+                  </a:lnTo>
+                  <a:lnTo>
+                    <a:pt x="7770" y="17073"/>
+                  </a:lnTo>
+                  <a:lnTo>
+                    <a:pt x="7867" y="17000"/>
+                  </a:lnTo>
+                  <a:lnTo>
+                    <a:pt x="7916" y="16878"/>
+                  </a:lnTo>
+                  <a:lnTo>
+                    <a:pt x="7965" y="16732"/>
+                  </a:lnTo>
+                  <a:lnTo>
+                    <a:pt x="8208" y="15417"/>
+                  </a:lnTo>
+                  <a:lnTo>
+                    <a:pt x="8525" y="15100"/>
+                  </a:lnTo>
+                  <a:lnTo>
+                    <a:pt x="10911" y="17511"/>
+                  </a:lnTo>
+                  <a:lnTo>
+                    <a:pt x="10911" y="17511"/>
+                  </a:lnTo>
+                  <a:lnTo>
+                    <a:pt x="11033" y="17609"/>
+                  </a:lnTo>
+                  <a:lnTo>
+                    <a:pt x="11131" y="17658"/>
+                  </a:lnTo>
+                  <a:lnTo>
+                    <a:pt x="11228" y="17682"/>
+                  </a:lnTo>
+                  <a:lnTo>
+                    <a:pt x="11301" y="17682"/>
+                  </a:lnTo>
+                  <a:lnTo>
+                    <a:pt x="11374" y="17633"/>
+                  </a:lnTo>
+                  <a:lnTo>
+                    <a:pt x="11423" y="17536"/>
+                  </a:lnTo>
+                  <a:lnTo>
+                    <a:pt x="11447" y="17438"/>
+                  </a:lnTo>
+                  <a:lnTo>
+                    <a:pt x="11472" y="17292"/>
+                  </a:lnTo>
+                  <a:lnTo>
+                    <a:pt x="11472" y="17292"/>
+                  </a:lnTo>
+                  <a:close/>
+                  <a:moveTo>
+                    <a:pt x="6162" y="12202"/>
+                  </a:moveTo>
+                  <a:lnTo>
+                    <a:pt x="6162" y="12202"/>
+                  </a:lnTo>
+                  <a:lnTo>
+                    <a:pt x="6089" y="12275"/>
+                  </a:lnTo>
+                  <a:lnTo>
+                    <a:pt x="6016" y="12324"/>
+                  </a:lnTo>
+                  <a:lnTo>
+                    <a:pt x="5919" y="12348"/>
+                  </a:lnTo>
+                  <a:lnTo>
+                    <a:pt x="5821" y="12348"/>
+                  </a:lnTo>
+                  <a:lnTo>
+                    <a:pt x="5724" y="12348"/>
+                  </a:lnTo>
+                  <a:lnTo>
+                    <a:pt x="5626" y="12324"/>
+                  </a:lnTo>
+                  <a:lnTo>
+                    <a:pt x="5553" y="12275"/>
+                  </a:lnTo>
+                  <a:lnTo>
+                    <a:pt x="5480" y="12202"/>
+                  </a:lnTo>
+                  <a:lnTo>
+                    <a:pt x="5480" y="12202"/>
+                  </a:lnTo>
+                  <a:lnTo>
+                    <a:pt x="5407" y="12129"/>
+                  </a:lnTo>
+                  <a:lnTo>
+                    <a:pt x="5359" y="12056"/>
+                  </a:lnTo>
+                  <a:lnTo>
+                    <a:pt x="5334" y="11959"/>
+                  </a:lnTo>
+                  <a:lnTo>
+                    <a:pt x="5334" y="11861"/>
+                  </a:lnTo>
+                  <a:lnTo>
+                    <a:pt x="5334" y="11764"/>
+                  </a:lnTo>
+                  <a:lnTo>
+                    <a:pt x="5359" y="11666"/>
+                  </a:lnTo>
+                  <a:lnTo>
+                    <a:pt x="5407" y="11593"/>
+                  </a:lnTo>
+                  <a:lnTo>
+                    <a:pt x="5480" y="11520"/>
+                  </a:lnTo>
+                  <a:lnTo>
+                    <a:pt x="8013" y="8987"/>
+                  </a:lnTo>
+                  <a:lnTo>
+                    <a:pt x="8013" y="8987"/>
+                  </a:lnTo>
+                  <a:lnTo>
+                    <a:pt x="8086" y="8939"/>
+                  </a:lnTo>
+                  <a:lnTo>
+                    <a:pt x="8159" y="8890"/>
+                  </a:lnTo>
+                  <a:lnTo>
+                    <a:pt x="8257" y="8865"/>
+                  </a:lnTo>
+                  <a:lnTo>
+                    <a:pt x="8354" y="8841"/>
+                  </a:lnTo>
+                  <a:lnTo>
+                    <a:pt x="8452" y="8865"/>
+                  </a:lnTo>
+                  <a:lnTo>
+                    <a:pt x="8525" y="8890"/>
+                  </a:lnTo>
+                  <a:lnTo>
+                    <a:pt x="8622" y="8939"/>
+                  </a:lnTo>
+                  <a:lnTo>
+                    <a:pt x="8695" y="8987"/>
+                  </a:lnTo>
+                  <a:lnTo>
+                    <a:pt x="8695" y="8987"/>
+                  </a:lnTo>
+                  <a:lnTo>
+                    <a:pt x="8744" y="9060"/>
+                  </a:lnTo>
+                  <a:lnTo>
+                    <a:pt x="8793" y="9158"/>
+                  </a:lnTo>
+                  <a:lnTo>
+                    <a:pt x="8817" y="9231"/>
+                  </a:lnTo>
+                  <a:lnTo>
+                    <a:pt x="8841" y="9328"/>
+                  </a:lnTo>
+                  <a:lnTo>
+                    <a:pt x="8817" y="9426"/>
+                  </a:lnTo>
+                  <a:lnTo>
+                    <a:pt x="8793" y="9523"/>
+                  </a:lnTo>
+                  <a:lnTo>
+                    <a:pt x="8744" y="9596"/>
+                  </a:lnTo>
+                  <a:lnTo>
+                    <a:pt x="8695" y="9669"/>
+                  </a:lnTo>
+                  <a:lnTo>
+                    <a:pt x="6162" y="12202"/>
+                  </a:lnTo>
+                  <a:close/>
+                  <a:moveTo>
+                    <a:pt x="13396" y="7307"/>
+                  </a:moveTo>
+                  <a:lnTo>
+                    <a:pt x="13396" y="7307"/>
+                  </a:lnTo>
+                  <a:lnTo>
+                    <a:pt x="13274" y="7404"/>
+                  </a:lnTo>
+                  <a:lnTo>
+                    <a:pt x="13152" y="7477"/>
+                  </a:lnTo>
+                  <a:lnTo>
+                    <a:pt x="13006" y="7526"/>
+                  </a:lnTo>
+                  <a:lnTo>
+                    <a:pt x="12836" y="7550"/>
+                  </a:lnTo>
+                  <a:lnTo>
+                    <a:pt x="12689" y="7526"/>
+                  </a:lnTo>
+                  <a:lnTo>
+                    <a:pt x="12543" y="7477"/>
+                  </a:lnTo>
+                  <a:lnTo>
+                    <a:pt x="12421" y="7404"/>
+                  </a:lnTo>
+                  <a:lnTo>
+                    <a:pt x="12300" y="7307"/>
+                  </a:lnTo>
+                  <a:lnTo>
+                    <a:pt x="10376" y="5383"/>
+                  </a:lnTo>
+                  <a:lnTo>
+                    <a:pt x="10376" y="5383"/>
+                  </a:lnTo>
+                  <a:lnTo>
+                    <a:pt x="10278" y="5261"/>
+                  </a:lnTo>
+                  <a:lnTo>
+                    <a:pt x="10205" y="5139"/>
+                  </a:lnTo>
+                  <a:lnTo>
+                    <a:pt x="10156" y="4993"/>
+                  </a:lnTo>
+                  <a:lnTo>
+                    <a:pt x="10132" y="4847"/>
+                  </a:lnTo>
+                  <a:lnTo>
+                    <a:pt x="10156" y="4676"/>
+                  </a:lnTo>
+                  <a:lnTo>
+                    <a:pt x="10205" y="4530"/>
+                  </a:lnTo>
+                  <a:lnTo>
+                    <a:pt x="10278" y="4408"/>
+                  </a:lnTo>
+                  <a:lnTo>
+                    <a:pt x="10376" y="4287"/>
+                  </a:lnTo>
+                  <a:lnTo>
+                    <a:pt x="10376" y="4287"/>
+                  </a:lnTo>
+                  <a:lnTo>
+                    <a:pt x="11326" y="3313"/>
+                  </a:lnTo>
+                  <a:lnTo>
+                    <a:pt x="11326" y="3313"/>
+                  </a:lnTo>
+                  <a:lnTo>
+                    <a:pt x="11496" y="3166"/>
+                  </a:lnTo>
+                  <a:lnTo>
+                    <a:pt x="11666" y="3045"/>
+                  </a:lnTo>
+                  <a:lnTo>
+                    <a:pt x="11861" y="2947"/>
+                  </a:lnTo>
+                  <a:lnTo>
+                    <a:pt x="12032" y="2850"/>
+                  </a:lnTo>
+                  <a:lnTo>
+                    <a:pt x="12227" y="2777"/>
+                  </a:lnTo>
+                  <a:lnTo>
+                    <a:pt x="12446" y="2728"/>
+                  </a:lnTo>
+                  <a:lnTo>
+                    <a:pt x="12641" y="2704"/>
+                  </a:lnTo>
+                  <a:lnTo>
+                    <a:pt x="12836" y="2704"/>
+                  </a:lnTo>
+                  <a:lnTo>
+                    <a:pt x="13055" y="2704"/>
+                  </a:lnTo>
+                  <a:lnTo>
+                    <a:pt x="13250" y="2728"/>
+                  </a:lnTo>
+                  <a:lnTo>
+                    <a:pt x="13469" y="2777"/>
+                  </a:lnTo>
+                  <a:lnTo>
+                    <a:pt x="13664" y="2850"/>
+                  </a:lnTo>
+                  <a:lnTo>
+                    <a:pt x="13834" y="2947"/>
+                  </a:lnTo>
+                  <a:lnTo>
+                    <a:pt x="14029" y="3045"/>
+                  </a:lnTo>
+                  <a:lnTo>
+                    <a:pt x="14199" y="3166"/>
+                  </a:lnTo>
+                  <a:lnTo>
+                    <a:pt x="14370" y="3313"/>
+                  </a:lnTo>
+                  <a:lnTo>
+                    <a:pt x="14370" y="3313"/>
+                  </a:lnTo>
+                  <a:lnTo>
+                    <a:pt x="14516" y="3483"/>
+                  </a:lnTo>
+                  <a:lnTo>
+                    <a:pt x="14638" y="3653"/>
+                  </a:lnTo>
+                  <a:lnTo>
+                    <a:pt x="14735" y="3848"/>
+                  </a:lnTo>
+                  <a:lnTo>
+                    <a:pt x="14833" y="4019"/>
+                  </a:lnTo>
+                  <a:lnTo>
+                    <a:pt x="14906" y="4214"/>
+                  </a:lnTo>
+                  <a:lnTo>
+                    <a:pt x="14954" y="4433"/>
+                  </a:lnTo>
+                  <a:lnTo>
+                    <a:pt x="14979" y="4628"/>
+                  </a:lnTo>
+                  <a:lnTo>
+                    <a:pt x="14979" y="4847"/>
+                  </a:lnTo>
+                  <a:lnTo>
+                    <a:pt x="14979" y="5042"/>
+                  </a:lnTo>
+                  <a:lnTo>
+                    <a:pt x="14954" y="5237"/>
+                  </a:lnTo>
+                  <a:lnTo>
+                    <a:pt x="14906" y="5456"/>
+                  </a:lnTo>
+                  <a:lnTo>
+                    <a:pt x="14833" y="5651"/>
+                  </a:lnTo>
+                  <a:lnTo>
+                    <a:pt x="14735" y="5821"/>
+                  </a:lnTo>
+                  <a:lnTo>
+                    <a:pt x="14638" y="6016"/>
+                  </a:lnTo>
+                  <a:lnTo>
+                    <a:pt x="14516" y="6186"/>
+                  </a:lnTo>
+                  <a:lnTo>
+                    <a:pt x="14370" y="6357"/>
+                  </a:lnTo>
+                  <a:lnTo>
+                    <a:pt x="14370" y="6357"/>
+                  </a:lnTo>
+                  <a:lnTo>
+                    <a:pt x="13396" y="7307"/>
+                  </a:lnTo>
+                  <a:lnTo>
+                    <a:pt x="13396" y="7307"/>
+                  </a:lnTo>
+                  <a:close/>
+                </a:path>
+              </a:pathLst>
+            </a:custGeom>
+            <a:noFill/>
+            <a:ln cap="rnd" w="9360">
+              <a:solidFill>
+                <a:schemeClr val="dk1"/>
+              </a:solidFill>
+              <a:round/>
+            </a:ln>
+          </p:spPr>
+          <p:style>
+            <a:lnRef idx="0"/>
+            <a:fillRef idx="0"/>
+            <a:effectRef idx="0"/>
+            <a:fontRef idx="minor"/>
+          </p:style>
+        </p:sp>
+        <p:sp>
+          <p:nvSpPr>
+            <p:cNvPr id="487" name="CustomShape 7"/>
+            <p:cNvSpPr/>
+            <p:nvPr/>
+          </p:nvSpPr>
+          <p:spPr>
+            <a:xfrm>
+              <a:off x="857880" y="1203120"/>
+              <a:ext cx="50400" cy="48600"/>
+            </a:xfrm>
+            <a:custGeom>
+              <a:avLst/>
+              <a:gdLst/>
+              <a:ahLst/>
+              <a:rect l="l" t="t" r="r" b="b"/>
+              <a:pathLst>
+                <a:path w="2924" h="2924">
+                  <a:moveTo>
+                    <a:pt x="2656" y="269"/>
+                  </a:moveTo>
+                  <a:lnTo>
+                    <a:pt x="2656" y="269"/>
+                  </a:lnTo>
+                  <a:lnTo>
+                    <a:pt x="2509" y="147"/>
+                  </a:lnTo>
+                  <a:lnTo>
+                    <a:pt x="2363" y="74"/>
+                  </a:lnTo>
+                  <a:lnTo>
+                    <a:pt x="2193" y="25"/>
+                  </a:lnTo>
+                  <a:lnTo>
+                    <a:pt x="2022" y="1"/>
+                  </a:lnTo>
+                  <a:lnTo>
+                    <a:pt x="1852" y="25"/>
+                  </a:lnTo>
+                  <a:lnTo>
+                    <a:pt x="1681" y="74"/>
+                  </a:lnTo>
+                  <a:lnTo>
+                    <a:pt x="1511" y="147"/>
+                  </a:lnTo>
+                  <a:lnTo>
+                    <a:pt x="1365" y="269"/>
+                  </a:lnTo>
+                  <a:lnTo>
+                    <a:pt x="1365" y="269"/>
+                  </a:lnTo>
+                  <a:lnTo>
+                    <a:pt x="1219" y="488"/>
+                  </a:lnTo>
+                  <a:lnTo>
+                    <a:pt x="999" y="829"/>
+                  </a:lnTo>
+                  <a:lnTo>
+                    <a:pt x="561" y="1730"/>
+                  </a:lnTo>
+                  <a:lnTo>
+                    <a:pt x="171" y="2558"/>
+                  </a:lnTo>
+                  <a:lnTo>
+                    <a:pt x="1" y="2924"/>
+                  </a:lnTo>
+                  <a:lnTo>
+                    <a:pt x="1" y="2924"/>
+                  </a:lnTo>
+                  <a:lnTo>
+                    <a:pt x="366" y="2753"/>
+                  </a:lnTo>
+                  <a:lnTo>
+                    <a:pt x="1194" y="2363"/>
+                  </a:lnTo>
+                  <a:lnTo>
+                    <a:pt x="2095" y="1925"/>
+                  </a:lnTo>
+                  <a:lnTo>
+                    <a:pt x="2436" y="1706"/>
+                  </a:lnTo>
+                  <a:lnTo>
+                    <a:pt x="2656" y="1560"/>
+                  </a:lnTo>
+                  <a:lnTo>
+                    <a:pt x="2656" y="1560"/>
+                  </a:lnTo>
+                  <a:lnTo>
+                    <a:pt x="2777" y="1414"/>
+                  </a:lnTo>
+                  <a:lnTo>
+                    <a:pt x="2850" y="1243"/>
+                  </a:lnTo>
+                  <a:lnTo>
+                    <a:pt x="2899" y="1073"/>
+                  </a:lnTo>
+                  <a:lnTo>
+                    <a:pt x="2923" y="902"/>
+                  </a:lnTo>
+                  <a:lnTo>
+                    <a:pt x="2899" y="732"/>
+                  </a:lnTo>
+                  <a:lnTo>
+                    <a:pt x="2850" y="561"/>
+                  </a:lnTo>
+                  <a:lnTo>
+                    <a:pt x="2777" y="415"/>
+                  </a:lnTo>
+                  <a:lnTo>
+                    <a:pt x="2656" y="269"/>
+                  </a:lnTo>
+                  <a:lnTo>
+                    <a:pt x="2656" y="269"/>
+                  </a:lnTo>
+                  <a:close/>
+                </a:path>
+              </a:pathLst>
+            </a:custGeom>
+            <a:noFill/>
+            <a:ln cap="rnd" w="9360">
+              <a:solidFill>
+                <a:schemeClr val="dk1"/>
+              </a:solidFill>
+              <a:round/>
+            </a:ln>
+          </p:spPr>
+          <p:style>
+            <a:lnRef idx="0"/>
+            <a:fillRef idx="0"/>
+            <a:effectRef idx="0"/>
+            <a:fontRef idx="minor"/>
+          </p:style>
+        </p:sp>
+        <p:sp>
+          <p:nvSpPr>
+            <p:cNvPr id="488" name="CustomShape 8"/>
+            <p:cNvSpPr/>
+            <p:nvPr/>
+          </p:nvSpPr>
+          <p:spPr>
+            <a:xfrm>
+              <a:off x="897120" y="1231920"/>
+              <a:ext cx="32040" cy="31320"/>
+            </a:xfrm>
+            <a:custGeom>
+              <a:avLst/>
+              <a:gdLst/>
+              <a:ahLst/>
+              <a:rect l="l" t="t" r="r" b="b"/>
+              <a:pathLst>
+                <a:path w="1877" h="1877">
+                  <a:moveTo>
+                    <a:pt x="1657" y="244"/>
+                  </a:moveTo>
+                  <a:lnTo>
+                    <a:pt x="1657" y="244"/>
+                  </a:lnTo>
+                  <a:lnTo>
+                    <a:pt x="1535" y="147"/>
+                  </a:lnTo>
+                  <a:lnTo>
+                    <a:pt x="1413" y="74"/>
+                  </a:lnTo>
+                  <a:lnTo>
+                    <a:pt x="1267" y="25"/>
+                  </a:lnTo>
+                  <a:lnTo>
+                    <a:pt x="1121" y="1"/>
+                  </a:lnTo>
+                  <a:lnTo>
+                    <a:pt x="975" y="25"/>
+                  </a:lnTo>
+                  <a:lnTo>
+                    <a:pt x="829" y="74"/>
+                  </a:lnTo>
+                  <a:lnTo>
+                    <a:pt x="707" y="147"/>
+                  </a:lnTo>
+                  <a:lnTo>
+                    <a:pt x="585" y="244"/>
+                  </a:lnTo>
+                  <a:lnTo>
+                    <a:pt x="585" y="244"/>
+                  </a:lnTo>
+                  <a:lnTo>
+                    <a:pt x="464" y="391"/>
+                  </a:lnTo>
+                  <a:lnTo>
+                    <a:pt x="366" y="610"/>
+                  </a:lnTo>
+                  <a:lnTo>
+                    <a:pt x="269" y="878"/>
+                  </a:lnTo>
+                  <a:lnTo>
+                    <a:pt x="171" y="1170"/>
+                  </a:lnTo>
+                  <a:lnTo>
+                    <a:pt x="50" y="1681"/>
+                  </a:lnTo>
+                  <a:lnTo>
+                    <a:pt x="1" y="1876"/>
+                  </a:lnTo>
+                  <a:lnTo>
+                    <a:pt x="1" y="1876"/>
+                  </a:lnTo>
+                  <a:lnTo>
+                    <a:pt x="220" y="1852"/>
+                  </a:lnTo>
+                  <a:lnTo>
+                    <a:pt x="731" y="1706"/>
+                  </a:lnTo>
+                  <a:lnTo>
+                    <a:pt x="999" y="1633"/>
+                  </a:lnTo>
+                  <a:lnTo>
+                    <a:pt x="1267" y="1535"/>
+                  </a:lnTo>
+                  <a:lnTo>
+                    <a:pt x="1511" y="1413"/>
+                  </a:lnTo>
+                  <a:lnTo>
+                    <a:pt x="1657" y="1316"/>
+                  </a:lnTo>
+                  <a:lnTo>
+                    <a:pt x="1657" y="1316"/>
+                  </a:lnTo>
+                  <a:lnTo>
+                    <a:pt x="1754" y="1194"/>
+                  </a:lnTo>
+                  <a:lnTo>
+                    <a:pt x="1827" y="1048"/>
+                  </a:lnTo>
+                  <a:lnTo>
+                    <a:pt x="1876" y="926"/>
+                  </a:lnTo>
+                  <a:lnTo>
+                    <a:pt x="1876" y="780"/>
+                  </a:lnTo>
+                  <a:lnTo>
+                    <a:pt x="1876" y="634"/>
+                  </a:lnTo>
+                  <a:lnTo>
+                    <a:pt x="1827" y="488"/>
+                  </a:lnTo>
+                  <a:lnTo>
+                    <a:pt x="1754" y="366"/>
+                  </a:lnTo>
+                  <a:lnTo>
+                    <a:pt x="1657" y="244"/>
+                  </a:lnTo>
+                  <a:lnTo>
+                    <a:pt x="1657" y="244"/>
+                  </a:lnTo>
+                  <a:close/>
+                </a:path>
+              </a:pathLst>
+            </a:custGeom>
+            <a:noFill/>
+            <a:ln cap="rnd" w="9360">
+              <a:solidFill>
+                <a:schemeClr val="dk1"/>
+              </a:solidFill>
+              <a:round/>
+            </a:ln>
+          </p:spPr>
+          <p:style>
+            <a:lnRef idx="0"/>
+            <a:fillRef idx="0"/>
+            <a:effectRef idx="0"/>
+            <a:fontRef idx="minor"/>
+          </p:style>
+        </p:sp>
+        <p:sp>
+          <p:nvSpPr>
+            <p:cNvPr id="489" name="CustomShape 9"/>
+            <p:cNvSpPr/>
+            <p:nvPr/>
+          </p:nvSpPr>
+          <p:spPr>
+            <a:xfrm>
+              <a:off x="846720" y="1182960"/>
+              <a:ext cx="32040" cy="31320"/>
+            </a:xfrm>
+            <a:custGeom>
+              <a:avLst/>
+              <a:gdLst/>
+              <a:ahLst/>
+              <a:rect l="l" t="t" r="r" b="b"/>
+              <a:pathLst>
+                <a:path w="1876" h="1876">
+                  <a:moveTo>
+                    <a:pt x="1632" y="219"/>
+                  </a:moveTo>
+                  <a:lnTo>
+                    <a:pt x="1632" y="219"/>
+                  </a:lnTo>
+                  <a:lnTo>
+                    <a:pt x="1510" y="122"/>
+                  </a:lnTo>
+                  <a:lnTo>
+                    <a:pt x="1388" y="49"/>
+                  </a:lnTo>
+                  <a:lnTo>
+                    <a:pt x="1242" y="0"/>
+                  </a:lnTo>
+                  <a:lnTo>
+                    <a:pt x="1096" y="0"/>
+                  </a:lnTo>
+                  <a:lnTo>
+                    <a:pt x="950" y="0"/>
+                  </a:lnTo>
+                  <a:lnTo>
+                    <a:pt x="828" y="49"/>
+                  </a:lnTo>
+                  <a:lnTo>
+                    <a:pt x="682" y="122"/>
+                  </a:lnTo>
+                  <a:lnTo>
+                    <a:pt x="560" y="219"/>
+                  </a:lnTo>
+                  <a:lnTo>
+                    <a:pt x="560" y="219"/>
+                  </a:lnTo>
+                  <a:lnTo>
+                    <a:pt x="463" y="366"/>
+                  </a:lnTo>
+                  <a:lnTo>
+                    <a:pt x="341" y="609"/>
+                  </a:lnTo>
+                  <a:lnTo>
+                    <a:pt x="244" y="877"/>
+                  </a:lnTo>
+                  <a:lnTo>
+                    <a:pt x="171" y="1145"/>
+                  </a:lnTo>
+                  <a:lnTo>
+                    <a:pt x="25" y="1656"/>
+                  </a:lnTo>
+                  <a:lnTo>
+                    <a:pt x="0" y="1876"/>
+                  </a:lnTo>
+                  <a:lnTo>
+                    <a:pt x="0" y="1876"/>
+                  </a:lnTo>
+                  <a:lnTo>
+                    <a:pt x="195" y="1827"/>
+                  </a:lnTo>
+                  <a:lnTo>
+                    <a:pt x="707" y="1705"/>
+                  </a:lnTo>
+                  <a:lnTo>
+                    <a:pt x="999" y="1608"/>
+                  </a:lnTo>
+                  <a:lnTo>
+                    <a:pt x="1267" y="1510"/>
+                  </a:lnTo>
+                  <a:lnTo>
+                    <a:pt x="1486" y="1413"/>
+                  </a:lnTo>
+                  <a:lnTo>
+                    <a:pt x="1632" y="1291"/>
+                  </a:lnTo>
+                  <a:lnTo>
+                    <a:pt x="1632" y="1291"/>
+                  </a:lnTo>
+                  <a:lnTo>
+                    <a:pt x="1729" y="1169"/>
+                  </a:lnTo>
+                  <a:lnTo>
+                    <a:pt x="1802" y="1048"/>
+                  </a:lnTo>
+                  <a:lnTo>
+                    <a:pt x="1851" y="901"/>
+                  </a:lnTo>
+                  <a:lnTo>
+                    <a:pt x="1876" y="755"/>
+                  </a:lnTo>
+                  <a:lnTo>
+                    <a:pt x="1851" y="609"/>
+                  </a:lnTo>
+                  <a:lnTo>
+                    <a:pt x="1802" y="463"/>
+                  </a:lnTo>
+                  <a:lnTo>
+                    <a:pt x="1729" y="341"/>
+                  </a:lnTo>
+                  <a:lnTo>
+                    <a:pt x="1632" y="219"/>
+                  </a:lnTo>
+                  <a:lnTo>
+                    <a:pt x="1632" y="219"/>
+                  </a:lnTo>
+                  <a:close/>
+                </a:path>
+              </a:pathLst>
+            </a:custGeom>
+            <a:noFill/>
+            <a:ln cap="rnd" w="9360">
+              <a:solidFill>
+                <a:schemeClr val="dk1"/>
+              </a:solidFill>
+              <a:round/>
+            </a:ln>
+          </p:spPr>
+          <p:style>
+            <a:lnRef idx="0"/>
+            <a:fillRef idx="0"/>
+            <a:effectRef idx="0"/>
+            <a:fontRef idx="minor"/>
+          </p:style>
+        </p:sp>
+      </p:grpSp>
       <p:sp>
         <p:nvSpPr>
-          <p:cNvPr id="483" name="CustomShape 5"/>
+          <p:cNvPr id="490" name="CustomShape 10"/>
           <p:cNvSpPr/>
           <p:nvPr/>
         </p:nvSpPr>
         <p:spPr>
           <a:xfrm>
             <a:off x="4397760" y="3758760"/>
-            <a:ext cx="4286160" cy="1155240"/>
+            <a:ext cx="4285800" cy="1155240"/>
           </a:xfrm>
           <a:prstGeom prst="rect">
             <a:avLst/>
@@ -21842,7 +22898,7 @@
             </a:endParaRPr>
           </a:p>
           <a:p>
-            <a:pPr marL="216000" indent="-216000">
+            <a:pPr marL="216000" indent="-215640">
               <a:lnSpc>
                 <a:spcPct val="100000"/>
               </a:lnSpc>
@@ -21867,7 +22923,7 @@
             </a:endParaRPr>
           </a:p>
           <a:p>
-            <a:pPr marL="216000" indent="-216000">
+            <a:pPr marL="216000" indent="-215640">
               <a:lnSpc>
                 <a:spcPct val="100000"/>
               </a:lnSpc>
@@ -21893,1082 +22949,6 @@
           </a:p>
         </p:txBody>
       </p:sp>
-      <p:pic>
-        <p:nvPicPr>
-          <p:cNvPr id="484" name="Picture 1" descr=""/>
-          <p:cNvPicPr/>
-          <p:nvPr/>
-        </p:nvPicPr>
-        <p:blipFill>
-          <a:blip r:embed="rId1">
-            <a:alphaModFix amt="50000"/>
-          </a:blip>
-          <a:stretch/>
-        </p:blipFill>
-        <p:spPr>
-          <a:xfrm>
-            <a:off x="4329720" y="2247120"/>
-            <a:ext cx="4076640" cy="1363680"/>
-          </a:xfrm>
-          <a:prstGeom prst="rect">
-            <a:avLst/>
-          </a:prstGeom>
-          <a:ln>
-            <a:noFill/>
-          </a:ln>
-        </p:spPr>
-      </p:pic>
-      <p:pic>
-        <p:nvPicPr>
-          <p:cNvPr id="485" name="Picture 2" descr=""/>
-          <p:cNvPicPr/>
-          <p:nvPr/>
-        </p:nvPicPr>
-        <p:blipFill>
-          <a:blip r:embed="rId2">
-            <a:alphaModFix amt="50000"/>
-          </a:blip>
-          <a:stretch/>
-        </p:blipFill>
-        <p:spPr>
-          <a:xfrm>
-            <a:off x="671040" y="2176560"/>
-            <a:ext cx="3519360" cy="2250720"/>
-          </a:xfrm>
-          <a:prstGeom prst="rect">
-            <a:avLst/>
-          </a:prstGeom>
-          <a:ln>
-            <a:noFill/>
-          </a:ln>
-        </p:spPr>
-      </p:pic>
-      <p:grpSp>
-        <p:nvGrpSpPr>
-          <p:cNvPr id="486" name="Group 6"/>
-          <p:cNvGrpSpPr/>
-          <p:nvPr/>
-        </p:nvGrpSpPr>
-        <p:grpSpPr>
-          <a:xfrm>
-            <a:off x="844560" y="968400"/>
-            <a:ext cx="306000" cy="296640"/>
-            <a:chOff x="844560" y="968400"/>
-            <a:chExt cx="306000" cy="296640"/>
-          </a:xfrm>
-        </p:grpSpPr>
-        <p:sp>
-          <p:nvSpPr>
-            <p:cNvPr id="487" name="CustomShape 7"/>
-            <p:cNvSpPr/>
-            <p:nvPr/>
-          </p:nvSpPr>
-          <p:spPr>
-            <a:xfrm>
-              <a:off x="844560" y="968400"/>
-              <a:ext cx="306000" cy="296640"/>
-            </a:xfrm>
-            <a:custGeom>
-              <a:avLst/>
-              <a:gdLst/>
-              <a:ahLst/>
-              <a:rect l="l" t="t" r="r" b="b"/>
-              <a:pathLst>
-                <a:path w="17683" h="17682">
-                  <a:moveTo>
-                    <a:pt x="11472" y="17292"/>
-                  </a:moveTo>
-                  <a:lnTo>
-                    <a:pt x="11472" y="12153"/>
-                  </a:lnTo>
-                  <a:lnTo>
-                    <a:pt x="16416" y="7209"/>
-                  </a:lnTo>
-                  <a:lnTo>
-                    <a:pt x="16416" y="7209"/>
-                  </a:lnTo>
-                  <a:lnTo>
-                    <a:pt x="16562" y="7063"/>
-                  </a:lnTo>
-                  <a:lnTo>
-                    <a:pt x="16684" y="6868"/>
-                  </a:lnTo>
-                  <a:lnTo>
-                    <a:pt x="16830" y="6674"/>
-                  </a:lnTo>
-                  <a:lnTo>
-                    <a:pt x="16927" y="6479"/>
-                  </a:lnTo>
-                  <a:lnTo>
-                    <a:pt x="17146" y="6040"/>
-                  </a:lnTo>
-                  <a:lnTo>
-                    <a:pt x="17317" y="5553"/>
-                  </a:lnTo>
-                  <a:lnTo>
-                    <a:pt x="17439" y="5042"/>
-                  </a:lnTo>
-                  <a:lnTo>
-                    <a:pt x="17560" y="4506"/>
-                  </a:lnTo>
-                  <a:lnTo>
-                    <a:pt x="17633" y="3970"/>
-                  </a:lnTo>
-                  <a:lnTo>
-                    <a:pt x="17658" y="3434"/>
-                  </a:lnTo>
-                  <a:lnTo>
-                    <a:pt x="17682" y="2898"/>
-                  </a:lnTo>
-                  <a:lnTo>
-                    <a:pt x="17682" y="2411"/>
-                  </a:lnTo>
-                  <a:lnTo>
-                    <a:pt x="17658" y="1949"/>
-                  </a:lnTo>
-                  <a:lnTo>
-                    <a:pt x="17609" y="1510"/>
-                  </a:lnTo>
-                  <a:lnTo>
-                    <a:pt x="17536" y="1145"/>
-                  </a:lnTo>
-                  <a:lnTo>
-                    <a:pt x="17463" y="828"/>
-                  </a:lnTo>
-                  <a:lnTo>
-                    <a:pt x="17366" y="585"/>
-                  </a:lnTo>
-                  <a:lnTo>
-                    <a:pt x="17292" y="487"/>
-                  </a:lnTo>
-                  <a:lnTo>
-                    <a:pt x="17244" y="439"/>
-                  </a:lnTo>
-                  <a:lnTo>
-                    <a:pt x="17244" y="439"/>
-                  </a:lnTo>
-                  <a:lnTo>
-                    <a:pt x="17195" y="390"/>
-                  </a:lnTo>
-                  <a:lnTo>
-                    <a:pt x="17098" y="317"/>
-                  </a:lnTo>
-                  <a:lnTo>
-                    <a:pt x="16854" y="219"/>
-                  </a:lnTo>
-                  <a:lnTo>
-                    <a:pt x="16537" y="146"/>
-                  </a:lnTo>
-                  <a:lnTo>
-                    <a:pt x="16172" y="73"/>
-                  </a:lnTo>
-                  <a:lnTo>
-                    <a:pt x="15734" y="25"/>
-                  </a:lnTo>
-                  <a:lnTo>
-                    <a:pt x="15271" y="0"/>
-                  </a:lnTo>
-                  <a:lnTo>
-                    <a:pt x="14784" y="0"/>
-                  </a:lnTo>
-                  <a:lnTo>
-                    <a:pt x="14248" y="25"/>
-                  </a:lnTo>
-                  <a:lnTo>
-                    <a:pt x="13712" y="49"/>
-                  </a:lnTo>
-                  <a:lnTo>
-                    <a:pt x="13176" y="122"/>
-                  </a:lnTo>
-                  <a:lnTo>
-                    <a:pt x="12641" y="244"/>
-                  </a:lnTo>
-                  <a:lnTo>
-                    <a:pt x="12129" y="366"/>
-                  </a:lnTo>
-                  <a:lnTo>
-                    <a:pt x="11642" y="536"/>
-                  </a:lnTo>
-                  <a:lnTo>
-                    <a:pt x="11204" y="755"/>
-                  </a:lnTo>
-                  <a:lnTo>
-                    <a:pt x="10985" y="853"/>
-                  </a:lnTo>
-                  <a:lnTo>
-                    <a:pt x="10814" y="999"/>
-                  </a:lnTo>
-                  <a:lnTo>
-                    <a:pt x="10619" y="1121"/>
-                  </a:lnTo>
-                  <a:lnTo>
-                    <a:pt x="10473" y="1267"/>
-                  </a:lnTo>
-                  <a:lnTo>
-                    <a:pt x="5529" y="6211"/>
-                  </a:lnTo>
-                  <a:lnTo>
-                    <a:pt x="390" y="6211"/>
-                  </a:lnTo>
-                  <a:lnTo>
-                    <a:pt x="390" y="6211"/>
-                  </a:lnTo>
-                  <a:lnTo>
-                    <a:pt x="244" y="6235"/>
-                  </a:lnTo>
-                  <a:lnTo>
-                    <a:pt x="147" y="6259"/>
-                  </a:lnTo>
-                  <a:lnTo>
-                    <a:pt x="49" y="6308"/>
-                  </a:lnTo>
-                  <a:lnTo>
-                    <a:pt x="0" y="6381"/>
-                  </a:lnTo>
-                  <a:lnTo>
-                    <a:pt x="0" y="6454"/>
-                  </a:lnTo>
-                  <a:lnTo>
-                    <a:pt x="25" y="6552"/>
-                  </a:lnTo>
-                  <a:lnTo>
-                    <a:pt x="74" y="6649"/>
-                  </a:lnTo>
-                  <a:lnTo>
-                    <a:pt x="171" y="6771"/>
-                  </a:lnTo>
-                  <a:lnTo>
-                    <a:pt x="2582" y="9158"/>
-                  </a:lnTo>
-                  <a:lnTo>
-                    <a:pt x="2265" y="9474"/>
-                  </a:lnTo>
-                  <a:lnTo>
-                    <a:pt x="950" y="9718"/>
-                  </a:lnTo>
-                  <a:lnTo>
-                    <a:pt x="950" y="9718"/>
-                  </a:lnTo>
-                  <a:lnTo>
-                    <a:pt x="804" y="9767"/>
-                  </a:lnTo>
-                  <a:lnTo>
-                    <a:pt x="682" y="9815"/>
-                  </a:lnTo>
-                  <a:lnTo>
-                    <a:pt x="609" y="9913"/>
-                  </a:lnTo>
-                  <a:lnTo>
-                    <a:pt x="561" y="9986"/>
-                  </a:lnTo>
-                  <a:lnTo>
-                    <a:pt x="561" y="10083"/>
-                  </a:lnTo>
-                  <a:lnTo>
-                    <a:pt x="585" y="10205"/>
-                  </a:lnTo>
-                  <a:lnTo>
-                    <a:pt x="634" y="10302"/>
-                  </a:lnTo>
-                  <a:lnTo>
-                    <a:pt x="731" y="10424"/>
-                  </a:lnTo>
-                  <a:lnTo>
-                    <a:pt x="7258" y="16951"/>
-                  </a:lnTo>
-                  <a:lnTo>
-                    <a:pt x="7258" y="16951"/>
-                  </a:lnTo>
-                  <a:lnTo>
-                    <a:pt x="7380" y="17049"/>
-                  </a:lnTo>
-                  <a:lnTo>
-                    <a:pt x="7477" y="17097"/>
-                  </a:lnTo>
-                  <a:lnTo>
-                    <a:pt x="7599" y="17122"/>
-                  </a:lnTo>
-                  <a:lnTo>
-                    <a:pt x="7697" y="17122"/>
-                  </a:lnTo>
-                  <a:lnTo>
-                    <a:pt x="7770" y="17073"/>
-                  </a:lnTo>
-                  <a:lnTo>
-                    <a:pt x="7867" y="17000"/>
-                  </a:lnTo>
-                  <a:lnTo>
-                    <a:pt x="7916" y="16878"/>
-                  </a:lnTo>
-                  <a:lnTo>
-                    <a:pt x="7965" y="16732"/>
-                  </a:lnTo>
-                  <a:lnTo>
-                    <a:pt x="8208" y="15417"/>
-                  </a:lnTo>
-                  <a:lnTo>
-                    <a:pt x="8525" y="15100"/>
-                  </a:lnTo>
-                  <a:lnTo>
-                    <a:pt x="10911" y="17511"/>
-                  </a:lnTo>
-                  <a:lnTo>
-                    <a:pt x="10911" y="17511"/>
-                  </a:lnTo>
-                  <a:lnTo>
-                    <a:pt x="11033" y="17609"/>
-                  </a:lnTo>
-                  <a:lnTo>
-                    <a:pt x="11131" y="17658"/>
-                  </a:lnTo>
-                  <a:lnTo>
-                    <a:pt x="11228" y="17682"/>
-                  </a:lnTo>
-                  <a:lnTo>
-                    <a:pt x="11301" y="17682"/>
-                  </a:lnTo>
-                  <a:lnTo>
-                    <a:pt x="11374" y="17633"/>
-                  </a:lnTo>
-                  <a:lnTo>
-                    <a:pt x="11423" y="17536"/>
-                  </a:lnTo>
-                  <a:lnTo>
-                    <a:pt x="11447" y="17438"/>
-                  </a:lnTo>
-                  <a:lnTo>
-                    <a:pt x="11472" y="17292"/>
-                  </a:lnTo>
-                  <a:lnTo>
-                    <a:pt x="11472" y="17292"/>
-                  </a:lnTo>
-                  <a:close/>
-                  <a:moveTo>
-                    <a:pt x="6162" y="12202"/>
-                  </a:moveTo>
-                  <a:lnTo>
-                    <a:pt x="6162" y="12202"/>
-                  </a:lnTo>
-                  <a:lnTo>
-                    <a:pt x="6089" y="12275"/>
-                  </a:lnTo>
-                  <a:lnTo>
-                    <a:pt x="6016" y="12324"/>
-                  </a:lnTo>
-                  <a:lnTo>
-                    <a:pt x="5919" y="12348"/>
-                  </a:lnTo>
-                  <a:lnTo>
-                    <a:pt x="5821" y="12348"/>
-                  </a:lnTo>
-                  <a:lnTo>
-                    <a:pt x="5724" y="12348"/>
-                  </a:lnTo>
-                  <a:lnTo>
-                    <a:pt x="5626" y="12324"/>
-                  </a:lnTo>
-                  <a:lnTo>
-                    <a:pt x="5553" y="12275"/>
-                  </a:lnTo>
-                  <a:lnTo>
-                    <a:pt x="5480" y="12202"/>
-                  </a:lnTo>
-                  <a:lnTo>
-                    <a:pt x="5480" y="12202"/>
-                  </a:lnTo>
-                  <a:lnTo>
-                    <a:pt x="5407" y="12129"/>
-                  </a:lnTo>
-                  <a:lnTo>
-                    <a:pt x="5359" y="12056"/>
-                  </a:lnTo>
-                  <a:lnTo>
-                    <a:pt x="5334" y="11959"/>
-                  </a:lnTo>
-                  <a:lnTo>
-                    <a:pt x="5334" y="11861"/>
-                  </a:lnTo>
-                  <a:lnTo>
-                    <a:pt x="5334" y="11764"/>
-                  </a:lnTo>
-                  <a:lnTo>
-                    <a:pt x="5359" y="11666"/>
-                  </a:lnTo>
-                  <a:lnTo>
-                    <a:pt x="5407" y="11593"/>
-                  </a:lnTo>
-                  <a:lnTo>
-                    <a:pt x="5480" y="11520"/>
-                  </a:lnTo>
-                  <a:lnTo>
-                    <a:pt x="8013" y="8987"/>
-                  </a:lnTo>
-                  <a:lnTo>
-                    <a:pt x="8013" y="8987"/>
-                  </a:lnTo>
-                  <a:lnTo>
-                    <a:pt x="8086" y="8939"/>
-                  </a:lnTo>
-                  <a:lnTo>
-                    <a:pt x="8159" y="8890"/>
-                  </a:lnTo>
-                  <a:lnTo>
-                    <a:pt x="8257" y="8865"/>
-                  </a:lnTo>
-                  <a:lnTo>
-                    <a:pt x="8354" y="8841"/>
-                  </a:lnTo>
-                  <a:lnTo>
-                    <a:pt x="8452" y="8865"/>
-                  </a:lnTo>
-                  <a:lnTo>
-                    <a:pt x="8525" y="8890"/>
-                  </a:lnTo>
-                  <a:lnTo>
-                    <a:pt x="8622" y="8939"/>
-                  </a:lnTo>
-                  <a:lnTo>
-                    <a:pt x="8695" y="8987"/>
-                  </a:lnTo>
-                  <a:lnTo>
-                    <a:pt x="8695" y="8987"/>
-                  </a:lnTo>
-                  <a:lnTo>
-                    <a:pt x="8744" y="9060"/>
-                  </a:lnTo>
-                  <a:lnTo>
-                    <a:pt x="8793" y="9158"/>
-                  </a:lnTo>
-                  <a:lnTo>
-                    <a:pt x="8817" y="9231"/>
-                  </a:lnTo>
-                  <a:lnTo>
-                    <a:pt x="8841" y="9328"/>
-                  </a:lnTo>
-                  <a:lnTo>
-                    <a:pt x="8817" y="9426"/>
-                  </a:lnTo>
-                  <a:lnTo>
-                    <a:pt x="8793" y="9523"/>
-                  </a:lnTo>
-                  <a:lnTo>
-                    <a:pt x="8744" y="9596"/>
-                  </a:lnTo>
-                  <a:lnTo>
-                    <a:pt x="8695" y="9669"/>
-                  </a:lnTo>
-                  <a:lnTo>
-                    <a:pt x="6162" y="12202"/>
-                  </a:lnTo>
-                  <a:close/>
-                  <a:moveTo>
-                    <a:pt x="13396" y="7307"/>
-                  </a:moveTo>
-                  <a:lnTo>
-                    <a:pt x="13396" y="7307"/>
-                  </a:lnTo>
-                  <a:lnTo>
-                    <a:pt x="13274" y="7404"/>
-                  </a:lnTo>
-                  <a:lnTo>
-                    <a:pt x="13152" y="7477"/>
-                  </a:lnTo>
-                  <a:lnTo>
-                    <a:pt x="13006" y="7526"/>
-                  </a:lnTo>
-                  <a:lnTo>
-                    <a:pt x="12836" y="7550"/>
-                  </a:lnTo>
-                  <a:lnTo>
-                    <a:pt x="12689" y="7526"/>
-                  </a:lnTo>
-                  <a:lnTo>
-                    <a:pt x="12543" y="7477"/>
-                  </a:lnTo>
-                  <a:lnTo>
-                    <a:pt x="12421" y="7404"/>
-                  </a:lnTo>
-                  <a:lnTo>
-                    <a:pt x="12300" y="7307"/>
-                  </a:lnTo>
-                  <a:lnTo>
-                    <a:pt x="10376" y="5383"/>
-                  </a:lnTo>
-                  <a:lnTo>
-                    <a:pt x="10376" y="5383"/>
-                  </a:lnTo>
-                  <a:lnTo>
-                    <a:pt x="10278" y="5261"/>
-                  </a:lnTo>
-                  <a:lnTo>
-                    <a:pt x="10205" y="5139"/>
-                  </a:lnTo>
-                  <a:lnTo>
-                    <a:pt x="10156" y="4993"/>
-                  </a:lnTo>
-                  <a:lnTo>
-                    <a:pt x="10132" y="4847"/>
-                  </a:lnTo>
-                  <a:lnTo>
-                    <a:pt x="10156" y="4676"/>
-                  </a:lnTo>
-                  <a:lnTo>
-                    <a:pt x="10205" y="4530"/>
-                  </a:lnTo>
-                  <a:lnTo>
-                    <a:pt x="10278" y="4408"/>
-                  </a:lnTo>
-                  <a:lnTo>
-                    <a:pt x="10376" y="4287"/>
-                  </a:lnTo>
-                  <a:lnTo>
-                    <a:pt x="10376" y="4287"/>
-                  </a:lnTo>
-                  <a:lnTo>
-                    <a:pt x="11326" y="3313"/>
-                  </a:lnTo>
-                  <a:lnTo>
-                    <a:pt x="11326" y="3313"/>
-                  </a:lnTo>
-                  <a:lnTo>
-                    <a:pt x="11496" y="3166"/>
-                  </a:lnTo>
-                  <a:lnTo>
-                    <a:pt x="11666" y="3045"/>
-                  </a:lnTo>
-                  <a:lnTo>
-                    <a:pt x="11861" y="2947"/>
-                  </a:lnTo>
-                  <a:lnTo>
-                    <a:pt x="12032" y="2850"/>
-                  </a:lnTo>
-                  <a:lnTo>
-                    <a:pt x="12227" y="2777"/>
-                  </a:lnTo>
-                  <a:lnTo>
-                    <a:pt x="12446" y="2728"/>
-                  </a:lnTo>
-                  <a:lnTo>
-                    <a:pt x="12641" y="2704"/>
-                  </a:lnTo>
-                  <a:lnTo>
-                    <a:pt x="12836" y="2704"/>
-                  </a:lnTo>
-                  <a:lnTo>
-                    <a:pt x="13055" y="2704"/>
-                  </a:lnTo>
-                  <a:lnTo>
-                    <a:pt x="13250" y="2728"/>
-                  </a:lnTo>
-                  <a:lnTo>
-                    <a:pt x="13469" y="2777"/>
-                  </a:lnTo>
-                  <a:lnTo>
-                    <a:pt x="13664" y="2850"/>
-                  </a:lnTo>
-                  <a:lnTo>
-                    <a:pt x="13834" y="2947"/>
-                  </a:lnTo>
-                  <a:lnTo>
-                    <a:pt x="14029" y="3045"/>
-                  </a:lnTo>
-                  <a:lnTo>
-                    <a:pt x="14199" y="3166"/>
-                  </a:lnTo>
-                  <a:lnTo>
-                    <a:pt x="14370" y="3313"/>
-                  </a:lnTo>
-                  <a:lnTo>
-                    <a:pt x="14370" y="3313"/>
-                  </a:lnTo>
-                  <a:lnTo>
-                    <a:pt x="14516" y="3483"/>
-                  </a:lnTo>
-                  <a:lnTo>
-                    <a:pt x="14638" y="3653"/>
-                  </a:lnTo>
-                  <a:lnTo>
-                    <a:pt x="14735" y="3848"/>
-                  </a:lnTo>
-                  <a:lnTo>
-                    <a:pt x="14833" y="4019"/>
-                  </a:lnTo>
-                  <a:lnTo>
-                    <a:pt x="14906" y="4214"/>
-                  </a:lnTo>
-                  <a:lnTo>
-                    <a:pt x="14954" y="4433"/>
-                  </a:lnTo>
-                  <a:lnTo>
-                    <a:pt x="14979" y="4628"/>
-                  </a:lnTo>
-                  <a:lnTo>
-                    <a:pt x="14979" y="4847"/>
-                  </a:lnTo>
-                  <a:lnTo>
-                    <a:pt x="14979" y="5042"/>
-                  </a:lnTo>
-                  <a:lnTo>
-                    <a:pt x="14954" y="5237"/>
-                  </a:lnTo>
-                  <a:lnTo>
-                    <a:pt x="14906" y="5456"/>
-                  </a:lnTo>
-                  <a:lnTo>
-                    <a:pt x="14833" y="5651"/>
-                  </a:lnTo>
-                  <a:lnTo>
-                    <a:pt x="14735" y="5821"/>
-                  </a:lnTo>
-                  <a:lnTo>
-                    <a:pt x="14638" y="6016"/>
-                  </a:lnTo>
-                  <a:lnTo>
-                    <a:pt x="14516" y="6186"/>
-                  </a:lnTo>
-                  <a:lnTo>
-                    <a:pt x="14370" y="6357"/>
-                  </a:lnTo>
-                  <a:lnTo>
-                    <a:pt x="14370" y="6357"/>
-                  </a:lnTo>
-                  <a:lnTo>
-                    <a:pt x="13396" y="7307"/>
-                  </a:lnTo>
-                  <a:lnTo>
-                    <a:pt x="13396" y="7307"/>
-                  </a:lnTo>
-                  <a:close/>
-                </a:path>
-              </a:pathLst>
-            </a:custGeom>
-            <a:noFill/>
-            <a:ln cap="rnd" w="9360">
-              <a:solidFill>
-                <a:schemeClr val="dk1"/>
-              </a:solidFill>
-              <a:round/>
-            </a:ln>
-          </p:spPr>
-          <p:style>
-            <a:lnRef idx="0"/>
-            <a:fillRef idx="0"/>
-            <a:effectRef idx="0"/>
-            <a:fontRef idx="minor"/>
-          </p:style>
-        </p:sp>
-        <p:sp>
-          <p:nvSpPr>
-            <p:cNvPr id="488" name="CustomShape 8"/>
-            <p:cNvSpPr/>
-            <p:nvPr/>
-          </p:nvSpPr>
-          <p:spPr>
-            <a:xfrm>
-              <a:off x="857880" y="1203120"/>
-              <a:ext cx="50400" cy="48600"/>
-            </a:xfrm>
-            <a:custGeom>
-              <a:avLst/>
-              <a:gdLst/>
-              <a:ahLst/>
-              <a:rect l="l" t="t" r="r" b="b"/>
-              <a:pathLst>
-                <a:path w="2924" h="2924">
-                  <a:moveTo>
-                    <a:pt x="2656" y="269"/>
-                  </a:moveTo>
-                  <a:lnTo>
-                    <a:pt x="2656" y="269"/>
-                  </a:lnTo>
-                  <a:lnTo>
-                    <a:pt x="2509" y="147"/>
-                  </a:lnTo>
-                  <a:lnTo>
-                    <a:pt x="2363" y="74"/>
-                  </a:lnTo>
-                  <a:lnTo>
-                    <a:pt x="2193" y="25"/>
-                  </a:lnTo>
-                  <a:lnTo>
-                    <a:pt x="2022" y="1"/>
-                  </a:lnTo>
-                  <a:lnTo>
-                    <a:pt x="1852" y="25"/>
-                  </a:lnTo>
-                  <a:lnTo>
-                    <a:pt x="1681" y="74"/>
-                  </a:lnTo>
-                  <a:lnTo>
-                    <a:pt x="1511" y="147"/>
-                  </a:lnTo>
-                  <a:lnTo>
-                    <a:pt x="1365" y="269"/>
-                  </a:lnTo>
-                  <a:lnTo>
-                    <a:pt x="1365" y="269"/>
-                  </a:lnTo>
-                  <a:lnTo>
-                    <a:pt x="1219" y="488"/>
-                  </a:lnTo>
-                  <a:lnTo>
-                    <a:pt x="999" y="829"/>
-                  </a:lnTo>
-                  <a:lnTo>
-                    <a:pt x="561" y="1730"/>
-                  </a:lnTo>
-                  <a:lnTo>
-                    <a:pt x="171" y="2558"/>
-                  </a:lnTo>
-                  <a:lnTo>
-                    <a:pt x="1" y="2924"/>
-                  </a:lnTo>
-                  <a:lnTo>
-                    <a:pt x="1" y="2924"/>
-                  </a:lnTo>
-                  <a:lnTo>
-                    <a:pt x="366" y="2753"/>
-                  </a:lnTo>
-                  <a:lnTo>
-                    <a:pt x="1194" y="2363"/>
-                  </a:lnTo>
-                  <a:lnTo>
-                    <a:pt x="2095" y="1925"/>
-                  </a:lnTo>
-                  <a:lnTo>
-                    <a:pt x="2436" y="1706"/>
-                  </a:lnTo>
-                  <a:lnTo>
-                    <a:pt x="2656" y="1560"/>
-                  </a:lnTo>
-                  <a:lnTo>
-                    <a:pt x="2656" y="1560"/>
-                  </a:lnTo>
-                  <a:lnTo>
-                    <a:pt x="2777" y="1414"/>
-                  </a:lnTo>
-                  <a:lnTo>
-                    <a:pt x="2850" y="1243"/>
-                  </a:lnTo>
-                  <a:lnTo>
-                    <a:pt x="2899" y="1073"/>
-                  </a:lnTo>
-                  <a:lnTo>
-                    <a:pt x="2923" y="902"/>
-                  </a:lnTo>
-                  <a:lnTo>
-                    <a:pt x="2899" y="732"/>
-                  </a:lnTo>
-                  <a:lnTo>
-                    <a:pt x="2850" y="561"/>
-                  </a:lnTo>
-                  <a:lnTo>
-                    <a:pt x="2777" y="415"/>
-                  </a:lnTo>
-                  <a:lnTo>
-                    <a:pt x="2656" y="269"/>
-                  </a:lnTo>
-                  <a:lnTo>
-                    <a:pt x="2656" y="269"/>
-                  </a:lnTo>
-                  <a:close/>
-                </a:path>
-              </a:pathLst>
-            </a:custGeom>
-            <a:noFill/>
-            <a:ln cap="rnd" w="9360">
-              <a:solidFill>
-                <a:schemeClr val="dk1"/>
-              </a:solidFill>
-              <a:round/>
-            </a:ln>
-          </p:spPr>
-          <p:style>
-            <a:lnRef idx="0"/>
-            <a:fillRef idx="0"/>
-            <a:effectRef idx="0"/>
-            <a:fontRef idx="minor"/>
-          </p:style>
-        </p:sp>
-        <p:sp>
-          <p:nvSpPr>
-            <p:cNvPr id="489" name="CustomShape 9"/>
-            <p:cNvSpPr/>
-            <p:nvPr/>
-          </p:nvSpPr>
-          <p:spPr>
-            <a:xfrm>
-              <a:off x="897120" y="1231920"/>
-              <a:ext cx="32040" cy="31320"/>
-            </a:xfrm>
-            <a:custGeom>
-              <a:avLst/>
-              <a:gdLst/>
-              <a:ahLst/>
-              <a:rect l="l" t="t" r="r" b="b"/>
-              <a:pathLst>
-                <a:path w="1877" h="1877">
-                  <a:moveTo>
-                    <a:pt x="1657" y="244"/>
-                  </a:moveTo>
-                  <a:lnTo>
-                    <a:pt x="1657" y="244"/>
-                  </a:lnTo>
-                  <a:lnTo>
-                    <a:pt x="1535" y="147"/>
-                  </a:lnTo>
-                  <a:lnTo>
-                    <a:pt x="1413" y="74"/>
-                  </a:lnTo>
-                  <a:lnTo>
-                    <a:pt x="1267" y="25"/>
-                  </a:lnTo>
-                  <a:lnTo>
-                    <a:pt x="1121" y="1"/>
-                  </a:lnTo>
-                  <a:lnTo>
-                    <a:pt x="975" y="25"/>
-                  </a:lnTo>
-                  <a:lnTo>
-                    <a:pt x="829" y="74"/>
-                  </a:lnTo>
-                  <a:lnTo>
-                    <a:pt x="707" y="147"/>
-                  </a:lnTo>
-                  <a:lnTo>
-                    <a:pt x="585" y="244"/>
-                  </a:lnTo>
-                  <a:lnTo>
-                    <a:pt x="585" y="244"/>
-                  </a:lnTo>
-                  <a:lnTo>
-                    <a:pt x="464" y="391"/>
-                  </a:lnTo>
-                  <a:lnTo>
-                    <a:pt x="366" y="610"/>
-                  </a:lnTo>
-                  <a:lnTo>
-                    <a:pt x="269" y="878"/>
-                  </a:lnTo>
-                  <a:lnTo>
-                    <a:pt x="171" y="1170"/>
-                  </a:lnTo>
-                  <a:lnTo>
-                    <a:pt x="50" y="1681"/>
-                  </a:lnTo>
-                  <a:lnTo>
-                    <a:pt x="1" y="1876"/>
-                  </a:lnTo>
-                  <a:lnTo>
-                    <a:pt x="1" y="1876"/>
-                  </a:lnTo>
-                  <a:lnTo>
-                    <a:pt x="220" y="1852"/>
-                  </a:lnTo>
-                  <a:lnTo>
-                    <a:pt x="731" y="1706"/>
-                  </a:lnTo>
-                  <a:lnTo>
-                    <a:pt x="999" y="1633"/>
-                  </a:lnTo>
-                  <a:lnTo>
-                    <a:pt x="1267" y="1535"/>
-                  </a:lnTo>
-                  <a:lnTo>
-                    <a:pt x="1511" y="1413"/>
-                  </a:lnTo>
-                  <a:lnTo>
-                    <a:pt x="1657" y="1316"/>
-                  </a:lnTo>
-                  <a:lnTo>
-                    <a:pt x="1657" y="1316"/>
-                  </a:lnTo>
-                  <a:lnTo>
-                    <a:pt x="1754" y="1194"/>
-                  </a:lnTo>
-                  <a:lnTo>
-                    <a:pt x="1827" y="1048"/>
-                  </a:lnTo>
-                  <a:lnTo>
-                    <a:pt x="1876" y="926"/>
-                  </a:lnTo>
-                  <a:lnTo>
-                    <a:pt x="1876" y="780"/>
-                  </a:lnTo>
-                  <a:lnTo>
-                    <a:pt x="1876" y="634"/>
-                  </a:lnTo>
-                  <a:lnTo>
-                    <a:pt x="1827" y="488"/>
-                  </a:lnTo>
-                  <a:lnTo>
-                    <a:pt x="1754" y="366"/>
-                  </a:lnTo>
-                  <a:lnTo>
-                    <a:pt x="1657" y="244"/>
-                  </a:lnTo>
-                  <a:lnTo>
-                    <a:pt x="1657" y="244"/>
-                  </a:lnTo>
-                  <a:close/>
-                </a:path>
-              </a:pathLst>
-            </a:custGeom>
-            <a:noFill/>
-            <a:ln cap="rnd" w="9360">
-              <a:solidFill>
-                <a:schemeClr val="dk1"/>
-              </a:solidFill>
-              <a:round/>
-            </a:ln>
-          </p:spPr>
-          <p:style>
-            <a:lnRef idx="0"/>
-            <a:fillRef idx="0"/>
-            <a:effectRef idx="0"/>
-            <a:fontRef idx="minor"/>
-          </p:style>
-        </p:sp>
-        <p:sp>
-          <p:nvSpPr>
-            <p:cNvPr id="490" name="CustomShape 10"/>
-            <p:cNvSpPr/>
-            <p:nvPr/>
-          </p:nvSpPr>
-          <p:spPr>
-            <a:xfrm>
-              <a:off x="846720" y="1182960"/>
-              <a:ext cx="32040" cy="31320"/>
-            </a:xfrm>
-            <a:custGeom>
-              <a:avLst/>
-              <a:gdLst/>
-              <a:ahLst/>
-              <a:rect l="l" t="t" r="r" b="b"/>
-              <a:pathLst>
-                <a:path w="1876" h="1876">
-                  <a:moveTo>
-                    <a:pt x="1632" y="219"/>
-                  </a:moveTo>
-                  <a:lnTo>
-                    <a:pt x="1632" y="219"/>
-                  </a:lnTo>
-                  <a:lnTo>
-                    <a:pt x="1510" y="122"/>
-                  </a:lnTo>
-                  <a:lnTo>
-                    <a:pt x="1388" y="49"/>
-                  </a:lnTo>
-                  <a:lnTo>
-                    <a:pt x="1242" y="0"/>
-                  </a:lnTo>
-                  <a:lnTo>
-                    <a:pt x="1096" y="0"/>
-                  </a:lnTo>
-                  <a:lnTo>
-                    <a:pt x="950" y="0"/>
-                  </a:lnTo>
-                  <a:lnTo>
-                    <a:pt x="828" y="49"/>
-                  </a:lnTo>
-                  <a:lnTo>
-                    <a:pt x="682" y="122"/>
-                  </a:lnTo>
-                  <a:lnTo>
-                    <a:pt x="560" y="219"/>
-                  </a:lnTo>
-                  <a:lnTo>
-                    <a:pt x="560" y="219"/>
-                  </a:lnTo>
-                  <a:lnTo>
-                    <a:pt x="463" y="366"/>
-                  </a:lnTo>
-                  <a:lnTo>
-                    <a:pt x="341" y="609"/>
-                  </a:lnTo>
-                  <a:lnTo>
-                    <a:pt x="244" y="877"/>
-                  </a:lnTo>
-                  <a:lnTo>
-                    <a:pt x="171" y="1145"/>
-                  </a:lnTo>
-                  <a:lnTo>
-                    <a:pt x="25" y="1656"/>
-                  </a:lnTo>
-                  <a:lnTo>
-                    <a:pt x="0" y="1876"/>
-                  </a:lnTo>
-                  <a:lnTo>
-                    <a:pt x="0" y="1876"/>
-                  </a:lnTo>
-                  <a:lnTo>
-                    <a:pt x="195" y="1827"/>
-                  </a:lnTo>
-                  <a:lnTo>
-                    <a:pt x="707" y="1705"/>
-                  </a:lnTo>
-                  <a:lnTo>
-                    <a:pt x="999" y="1608"/>
-                  </a:lnTo>
-                  <a:lnTo>
-                    <a:pt x="1267" y="1510"/>
-                  </a:lnTo>
-                  <a:lnTo>
-                    <a:pt x="1486" y="1413"/>
-                  </a:lnTo>
-                  <a:lnTo>
-                    <a:pt x="1632" y="1291"/>
-                  </a:lnTo>
-                  <a:lnTo>
-                    <a:pt x="1632" y="1291"/>
-                  </a:lnTo>
-                  <a:lnTo>
-                    <a:pt x="1729" y="1169"/>
-                  </a:lnTo>
-                  <a:lnTo>
-                    <a:pt x="1802" y="1048"/>
-                  </a:lnTo>
-                  <a:lnTo>
-                    <a:pt x="1851" y="901"/>
-                  </a:lnTo>
-                  <a:lnTo>
-                    <a:pt x="1876" y="755"/>
-                  </a:lnTo>
-                  <a:lnTo>
-                    <a:pt x="1851" y="609"/>
-                  </a:lnTo>
-                  <a:lnTo>
-                    <a:pt x="1802" y="463"/>
-                  </a:lnTo>
-                  <a:lnTo>
-                    <a:pt x="1729" y="341"/>
-                  </a:lnTo>
-                  <a:lnTo>
-                    <a:pt x="1632" y="219"/>
-                  </a:lnTo>
-                  <a:lnTo>
-                    <a:pt x="1632" y="219"/>
-                  </a:lnTo>
-                  <a:close/>
-                </a:path>
-              </a:pathLst>
-            </a:custGeom>
-            <a:noFill/>
-            <a:ln cap="rnd" w="9360">
-              <a:solidFill>
-                <a:schemeClr val="dk1"/>
-              </a:solidFill>
-              <a:round/>
-            </a:ln>
-          </p:spPr>
-          <p:style>
-            <a:lnRef idx="0"/>
-            <a:fillRef idx="0"/>
-            <a:effectRef idx="0"/>
-            <a:fontRef idx="minor"/>
-          </p:style>
-        </p:sp>
-      </p:grpSp>
     </p:spTree>
   </p:cSld>
   <mc:AlternateContent>
@@ -23055,8 +23035,8 @@
         </p:nvSpPr>
         <p:spPr>
           <a:xfrm>
-            <a:off x="844560" y="1423800"/>
-            <a:ext cx="7698600" cy="742680"/>
+            <a:off x="824400" y="1410120"/>
+            <a:ext cx="8083080" cy="742680"/>
           </a:xfrm>
           <a:prstGeom prst="rect">
             <a:avLst/>
@@ -23103,33 +23083,7 @@
                 <a:latin typeface="Quattrocento Sans"/>
                 <a:ea typeface="Arial"/>
               </a:rPr>
-              <a:t>Does the user rating value </a:t>
-            </a:r>
-            <a:r>
-              <a:rPr b="0" lang="en-GB" sz="1400" spc="-1" strike="noStrike">
-                <a:solidFill>
-                  <a:srgbClr val="000000"/>
-                </a:solidFill>
-                <a:highlight>
-                  <a:srgbClr val="ffcd00"/>
-                </a:highlight>
-                <a:latin typeface="Quattrocento Sans"/>
-                <a:ea typeface="Arial"/>
-              </a:rPr>
-              <a:t>(all versions) </a:t>
-            </a:r>
-            <a:r>
-              <a:rPr b="0" lang="en-GB" sz="1400" spc="-1" strike="noStrike">
-                <a:solidFill>
-                  <a:srgbClr val="000000"/>
-                </a:solidFill>
-                <a:highlight>
-                  <a:srgbClr val="ffcd00"/>
-                </a:highlight>
-                <a:latin typeface="Quattrocento Sans"/>
-                <a:ea typeface="Arial"/>
-              </a:rPr>
-              <a:t> correlate with any other variable?</a:t>
+              <a:t>Does the user rating value (all versions)  correlate with any other variable?</a:t>
             </a:r>
             <a:endParaRPr b="0" lang="en-US" sz="1400" spc="-1" strike="noStrike">
               <a:solidFill>
@@ -23169,7 +23123,7 @@
                 <a:spcPct val="100000"/>
               </a:lnSpc>
             </a:pPr>
-            <a:fld id="{B2EB2B49-42C3-4464-84E1-9B5D8B7BCB00}" type="slidenum">
+            <a:fld id="{9A898DB6-5801-4815-81BD-34AC6E19E151}" type="slidenum">
               <a:rPr b="0" lang="en" sz="1000" spc="-1" strike="noStrike">
                 <a:solidFill>
                   <a:srgbClr val="1d1d1b"/>
@@ -23255,16 +23209,1065 @@
           </a:p>
         </p:txBody>
       </p:sp>
+      <p:pic>
+        <p:nvPicPr>
+          <p:cNvPr id="495" name="Picture 3" descr=""/>
+          <p:cNvPicPr/>
+          <p:nvPr/>
+        </p:nvPicPr>
+        <p:blipFill>
+          <a:blip r:embed="rId1"/>
+          <a:stretch/>
+        </p:blipFill>
+        <p:spPr>
+          <a:xfrm>
+            <a:off x="731520" y="2011680"/>
+            <a:ext cx="5486400" cy="2510280"/>
+          </a:xfrm>
+          <a:prstGeom prst="rect">
+            <a:avLst/>
+          </a:prstGeom>
+          <a:ln>
+            <a:noFill/>
+          </a:ln>
+        </p:spPr>
+      </p:pic>
+      <p:grpSp>
+        <p:nvGrpSpPr>
+          <p:cNvPr id="496" name="Group 5"/>
+          <p:cNvGrpSpPr/>
+          <p:nvPr/>
+        </p:nvGrpSpPr>
+        <p:grpSpPr>
+          <a:xfrm>
+            <a:off x="844560" y="968400"/>
+            <a:ext cx="306000" cy="296640"/>
+            <a:chOff x="844560" y="968400"/>
+            <a:chExt cx="306000" cy="296640"/>
+          </a:xfrm>
+        </p:grpSpPr>
+        <p:sp>
+          <p:nvSpPr>
+            <p:cNvPr id="497" name="CustomShape 6"/>
+            <p:cNvSpPr/>
+            <p:nvPr/>
+          </p:nvSpPr>
+          <p:spPr>
+            <a:xfrm>
+              <a:off x="844560" y="968400"/>
+              <a:ext cx="306000" cy="296640"/>
+            </a:xfrm>
+            <a:custGeom>
+              <a:avLst/>
+              <a:gdLst/>
+              <a:ahLst/>
+              <a:rect l="l" t="t" r="r" b="b"/>
+              <a:pathLst>
+                <a:path w="17683" h="17682">
+                  <a:moveTo>
+                    <a:pt x="11472" y="17292"/>
+                  </a:moveTo>
+                  <a:lnTo>
+                    <a:pt x="11472" y="12153"/>
+                  </a:lnTo>
+                  <a:lnTo>
+                    <a:pt x="16416" y="7209"/>
+                  </a:lnTo>
+                  <a:lnTo>
+                    <a:pt x="16416" y="7209"/>
+                  </a:lnTo>
+                  <a:lnTo>
+                    <a:pt x="16562" y="7063"/>
+                  </a:lnTo>
+                  <a:lnTo>
+                    <a:pt x="16684" y="6868"/>
+                  </a:lnTo>
+                  <a:lnTo>
+                    <a:pt x="16830" y="6674"/>
+                  </a:lnTo>
+                  <a:lnTo>
+                    <a:pt x="16927" y="6479"/>
+                  </a:lnTo>
+                  <a:lnTo>
+                    <a:pt x="17146" y="6040"/>
+                  </a:lnTo>
+                  <a:lnTo>
+                    <a:pt x="17317" y="5553"/>
+                  </a:lnTo>
+                  <a:lnTo>
+                    <a:pt x="17439" y="5042"/>
+                  </a:lnTo>
+                  <a:lnTo>
+                    <a:pt x="17560" y="4506"/>
+                  </a:lnTo>
+                  <a:lnTo>
+                    <a:pt x="17633" y="3970"/>
+                  </a:lnTo>
+                  <a:lnTo>
+                    <a:pt x="17658" y="3434"/>
+                  </a:lnTo>
+                  <a:lnTo>
+                    <a:pt x="17682" y="2898"/>
+                  </a:lnTo>
+                  <a:lnTo>
+                    <a:pt x="17682" y="2411"/>
+                  </a:lnTo>
+                  <a:lnTo>
+                    <a:pt x="17658" y="1949"/>
+                  </a:lnTo>
+                  <a:lnTo>
+                    <a:pt x="17609" y="1510"/>
+                  </a:lnTo>
+                  <a:lnTo>
+                    <a:pt x="17536" y="1145"/>
+                  </a:lnTo>
+                  <a:lnTo>
+                    <a:pt x="17463" y="828"/>
+                  </a:lnTo>
+                  <a:lnTo>
+                    <a:pt x="17366" y="585"/>
+                  </a:lnTo>
+                  <a:lnTo>
+                    <a:pt x="17292" y="487"/>
+                  </a:lnTo>
+                  <a:lnTo>
+                    <a:pt x="17244" y="439"/>
+                  </a:lnTo>
+                  <a:lnTo>
+                    <a:pt x="17244" y="439"/>
+                  </a:lnTo>
+                  <a:lnTo>
+                    <a:pt x="17195" y="390"/>
+                  </a:lnTo>
+                  <a:lnTo>
+                    <a:pt x="17098" y="317"/>
+                  </a:lnTo>
+                  <a:lnTo>
+                    <a:pt x="16854" y="219"/>
+                  </a:lnTo>
+                  <a:lnTo>
+                    <a:pt x="16537" y="146"/>
+                  </a:lnTo>
+                  <a:lnTo>
+                    <a:pt x="16172" y="73"/>
+                  </a:lnTo>
+                  <a:lnTo>
+                    <a:pt x="15734" y="25"/>
+                  </a:lnTo>
+                  <a:lnTo>
+                    <a:pt x="15271" y="0"/>
+                  </a:lnTo>
+                  <a:lnTo>
+                    <a:pt x="14784" y="0"/>
+                  </a:lnTo>
+                  <a:lnTo>
+                    <a:pt x="14248" y="25"/>
+                  </a:lnTo>
+                  <a:lnTo>
+                    <a:pt x="13712" y="49"/>
+                  </a:lnTo>
+                  <a:lnTo>
+                    <a:pt x="13176" y="122"/>
+                  </a:lnTo>
+                  <a:lnTo>
+                    <a:pt x="12641" y="244"/>
+                  </a:lnTo>
+                  <a:lnTo>
+                    <a:pt x="12129" y="366"/>
+                  </a:lnTo>
+                  <a:lnTo>
+                    <a:pt x="11642" y="536"/>
+                  </a:lnTo>
+                  <a:lnTo>
+                    <a:pt x="11204" y="755"/>
+                  </a:lnTo>
+                  <a:lnTo>
+                    <a:pt x="10985" y="853"/>
+                  </a:lnTo>
+                  <a:lnTo>
+                    <a:pt x="10814" y="999"/>
+                  </a:lnTo>
+                  <a:lnTo>
+                    <a:pt x="10619" y="1121"/>
+                  </a:lnTo>
+                  <a:lnTo>
+                    <a:pt x="10473" y="1267"/>
+                  </a:lnTo>
+                  <a:lnTo>
+                    <a:pt x="5529" y="6211"/>
+                  </a:lnTo>
+                  <a:lnTo>
+                    <a:pt x="390" y="6211"/>
+                  </a:lnTo>
+                  <a:lnTo>
+                    <a:pt x="390" y="6211"/>
+                  </a:lnTo>
+                  <a:lnTo>
+                    <a:pt x="244" y="6235"/>
+                  </a:lnTo>
+                  <a:lnTo>
+                    <a:pt x="147" y="6259"/>
+                  </a:lnTo>
+                  <a:lnTo>
+                    <a:pt x="49" y="6308"/>
+                  </a:lnTo>
+                  <a:lnTo>
+                    <a:pt x="0" y="6381"/>
+                  </a:lnTo>
+                  <a:lnTo>
+                    <a:pt x="0" y="6454"/>
+                  </a:lnTo>
+                  <a:lnTo>
+                    <a:pt x="25" y="6552"/>
+                  </a:lnTo>
+                  <a:lnTo>
+                    <a:pt x="74" y="6649"/>
+                  </a:lnTo>
+                  <a:lnTo>
+                    <a:pt x="171" y="6771"/>
+                  </a:lnTo>
+                  <a:lnTo>
+                    <a:pt x="2582" y="9158"/>
+                  </a:lnTo>
+                  <a:lnTo>
+                    <a:pt x="2265" y="9474"/>
+                  </a:lnTo>
+                  <a:lnTo>
+                    <a:pt x="950" y="9718"/>
+                  </a:lnTo>
+                  <a:lnTo>
+                    <a:pt x="950" y="9718"/>
+                  </a:lnTo>
+                  <a:lnTo>
+                    <a:pt x="804" y="9767"/>
+                  </a:lnTo>
+                  <a:lnTo>
+                    <a:pt x="682" y="9815"/>
+                  </a:lnTo>
+                  <a:lnTo>
+                    <a:pt x="609" y="9913"/>
+                  </a:lnTo>
+                  <a:lnTo>
+                    <a:pt x="561" y="9986"/>
+                  </a:lnTo>
+                  <a:lnTo>
+                    <a:pt x="561" y="10083"/>
+                  </a:lnTo>
+                  <a:lnTo>
+                    <a:pt x="585" y="10205"/>
+                  </a:lnTo>
+                  <a:lnTo>
+                    <a:pt x="634" y="10302"/>
+                  </a:lnTo>
+                  <a:lnTo>
+                    <a:pt x="731" y="10424"/>
+                  </a:lnTo>
+                  <a:lnTo>
+                    <a:pt x="7258" y="16951"/>
+                  </a:lnTo>
+                  <a:lnTo>
+                    <a:pt x="7258" y="16951"/>
+                  </a:lnTo>
+                  <a:lnTo>
+                    <a:pt x="7380" y="17049"/>
+                  </a:lnTo>
+                  <a:lnTo>
+                    <a:pt x="7477" y="17097"/>
+                  </a:lnTo>
+                  <a:lnTo>
+                    <a:pt x="7599" y="17122"/>
+                  </a:lnTo>
+                  <a:lnTo>
+                    <a:pt x="7697" y="17122"/>
+                  </a:lnTo>
+                  <a:lnTo>
+                    <a:pt x="7770" y="17073"/>
+                  </a:lnTo>
+                  <a:lnTo>
+                    <a:pt x="7867" y="17000"/>
+                  </a:lnTo>
+                  <a:lnTo>
+                    <a:pt x="7916" y="16878"/>
+                  </a:lnTo>
+                  <a:lnTo>
+                    <a:pt x="7965" y="16732"/>
+                  </a:lnTo>
+                  <a:lnTo>
+                    <a:pt x="8208" y="15417"/>
+                  </a:lnTo>
+                  <a:lnTo>
+                    <a:pt x="8525" y="15100"/>
+                  </a:lnTo>
+                  <a:lnTo>
+                    <a:pt x="10911" y="17511"/>
+                  </a:lnTo>
+                  <a:lnTo>
+                    <a:pt x="10911" y="17511"/>
+                  </a:lnTo>
+                  <a:lnTo>
+                    <a:pt x="11033" y="17609"/>
+                  </a:lnTo>
+                  <a:lnTo>
+                    <a:pt x="11131" y="17658"/>
+                  </a:lnTo>
+                  <a:lnTo>
+                    <a:pt x="11228" y="17682"/>
+                  </a:lnTo>
+                  <a:lnTo>
+                    <a:pt x="11301" y="17682"/>
+                  </a:lnTo>
+                  <a:lnTo>
+                    <a:pt x="11374" y="17633"/>
+                  </a:lnTo>
+                  <a:lnTo>
+                    <a:pt x="11423" y="17536"/>
+                  </a:lnTo>
+                  <a:lnTo>
+                    <a:pt x="11447" y="17438"/>
+                  </a:lnTo>
+                  <a:lnTo>
+                    <a:pt x="11472" y="17292"/>
+                  </a:lnTo>
+                  <a:lnTo>
+                    <a:pt x="11472" y="17292"/>
+                  </a:lnTo>
+                  <a:close/>
+                  <a:moveTo>
+                    <a:pt x="6162" y="12202"/>
+                  </a:moveTo>
+                  <a:lnTo>
+                    <a:pt x="6162" y="12202"/>
+                  </a:lnTo>
+                  <a:lnTo>
+                    <a:pt x="6089" y="12275"/>
+                  </a:lnTo>
+                  <a:lnTo>
+                    <a:pt x="6016" y="12324"/>
+                  </a:lnTo>
+                  <a:lnTo>
+                    <a:pt x="5919" y="12348"/>
+                  </a:lnTo>
+                  <a:lnTo>
+                    <a:pt x="5821" y="12348"/>
+                  </a:lnTo>
+                  <a:lnTo>
+                    <a:pt x="5724" y="12348"/>
+                  </a:lnTo>
+                  <a:lnTo>
+                    <a:pt x="5626" y="12324"/>
+                  </a:lnTo>
+                  <a:lnTo>
+                    <a:pt x="5553" y="12275"/>
+                  </a:lnTo>
+                  <a:lnTo>
+                    <a:pt x="5480" y="12202"/>
+                  </a:lnTo>
+                  <a:lnTo>
+                    <a:pt x="5480" y="12202"/>
+                  </a:lnTo>
+                  <a:lnTo>
+                    <a:pt x="5407" y="12129"/>
+                  </a:lnTo>
+                  <a:lnTo>
+                    <a:pt x="5359" y="12056"/>
+                  </a:lnTo>
+                  <a:lnTo>
+                    <a:pt x="5334" y="11959"/>
+                  </a:lnTo>
+                  <a:lnTo>
+                    <a:pt x="5334" y="11861"/>
+                  </a:lnTo>
+                  <a:lnTo>
+                    <a:pt x="5334" y="11764"/>
+                  </a:lnTo>
+                  <a:lnTo>
+                    <a:pt x="5359" y="11666"/>
+                  </a:lnTo>
+                  <a:lnTo>
+                    <a:pt x="5407" y="11593"/>
+                  </a:lnTo>
+                  <a:lnTo>
+                    <a:pt x="5480" y="11520"/>
+                  </a:lnTo>
+                  <a:lnTo>
+                    <a:pt x="8013" y="8987"/>
+                  </a:lnTo>
+                  <a:lnTo>
+                    <a:pt x="8013" y="8987"/>
+                  </a:lnTo>
+                  <a:lnTo>
+                    <a:pt x="8086" y="8939"/>
+                  </a:lnTo>
+                  <a:lnTo>
+                    <a:pt x="8159" y="8890"/>
+                  </a:lnTo>
+                  <a:lnTo>
+                    <a:pt x="8257" y="8865"/>
+                  </a:lnTo>
+                  <a:lnTo>
+                    <a:pt x="8354" y="8841"/>
+                  </a:lnTo>
+                  <a:lnTo>
+                    <a:pt x="8452" y="8865"/>
+                  </a:lnTo>
+                  <a:lnTo>
+                    <a:pt x="8525" y="8890"/>
+                  </a:lnTo>
+                  <a:lnTo>
+                    <a:pt x="8622" y="8939"/>
+                  </a:lnTo>
+                  <a:lnTo>
+                    <a:pt x="8695" y="8987"/>
+                  </a:lnTo>
+                  <a:lnTo>
+                    <a:pt x="8695" y="8987"/>
+                  </a:lnTo>
+                  <a:lnTo>
+                    <a:pt x="8744" y="9060"/>
+                  </a:lnTo>
+                  <a:lnTo>
+                    <a:pt x="8793" y="9158"/>
+                  </a:lnTo>
+                  <a:lnTo>
+                    <a:pt x="8817" y="9231"/>
+                  </a:lnTo>
+                  <a:lnTo>
+                    <a:pt x="8841" y="9328"/>
+                  </a:lnTo>
+                  <a:lnTo>
+                    <a:pt x="8817" y="9426"/>
+                  </a:lnTo>
+                  <a:lnTo>
+                    <a:pt x="8793" y="9523"/>
+                  </a:lnTo>
+                  <a:lnTo>
+                    <a:pt x="8744" y="9596"/>
+                  </a:lnTo>
+                  <a:lnTo>
+                    <a:pt x="8695" y="9669"/>
+                  </a:lnTo>
+                  <a:lnTo>
+                    <a:pt x="6162" y="12202"/>
+                  </a:lnTo>
+                  <a:close/>
+                  <a:moveTo>
+                    <a:pt x="13396" y="7307"/>
+                  </a:moveTo>
+                  <a:lnTo>
+                    <a:pt x="13396" y="7307"/>
+                  </a:lnTo>
+                  <a:lnTo>
+                    <a:pt x="13274" y="7404"/>
+                  </a:lnTo>
+                  <a:lnTo>
+                    <a:pt x="13152" y="7477"/>
+                  </a:lnTo>
+                  <a:lnTo>
+                    <a:pt x="13006" y="7526"/>
+                  </a:lnTo>
+                  <a:lnTo>
+                    <a:pt x="12836" y="7550"/>
+                  </a:lnTo>
+                  <a:lnTo>
+                    <a:pt x="12689" y="7526"/>
+                  </a:lnTo>
+                  <a:lnTo>
+                    <a:pt x="12543" y="7477"/>
+                  </a:lnTo>
+                  <a:lnTo>
+                    <a:pt x="12421" y="7404"/>
+                  </a:lnTo>
+                  <a:lnTo>
+                    <a:pt x="12300" y="7307"/>
+                  </a:lnTo>
+                  <a:lnTo>
+                    <a:pt x="10376" y="5383"/>
+                  </a:lnTo>
+                  <a:lnTo>
+                    <a:pt x="10376" y="5383"/>
+                  </a:lnTo>
+                  <a:lnTo>
+                    <a:pt x="10278" y="5261"/>
+                  </a:lnTo>
+                  <a:lnTo>
+                    <a:pt x="10205" y="5139"/>
+                  </a:lnTo>
+                  <a:lnTo>
+                    <a:pt x="10156" y="4993"/>
+                  </a:lnTo>
+                  <a:lnTo>
+                    <a:pt x="10132" y="4847"/>
+                  </a:lnTo>
+                  <a:lnTo>
+                    <a:pt x="10156" y="4676"/>
+                  </a:lnTo>
+                  <a:lnTo>
+                    <a:pt x="10205" y="4530"/>
+                  </a:lnTo>
+                  <a:lnTo>
+                    <a:pt x="10278" y="4408"/>
+                  </a:lnTo>
+                  <a:lnTo>
+                    <a:pt x="10376" y="4287"/>
+                  </a:lnTo>
+                  <a:lnTo>
+                    <a:pt x="10376" y="4287"/>
+                  </a:lnTo>
+                  <a:lnTo>
+                    <a:pt x="11326" y="3313"/>
+                  </a:lnTo>
+                  <a:lnTo>
+                    <a:pt x="11326" y="3313"/>
+                  </a:lnTo>
+                  <a:lnTo>
+                    <a:pt x="11496" y="3166"/>
+                  </a:lnTo>
+                  <a:lnTo>
+                    <a:pt x="11666" y="3045"/>
+                  </a:lnTo>
+                  <a:lnTo>
+                    <a:pt x="11861" y="2947"/>
+                  </a:lnTo>
+                  <a:lnTo>
+                    <a:pt x="12032" y="2850"/>
+                  </a:lnTo>
+                  <a:lnTo>
+                    <a:pt x="12227" y="2777"/>
+                  </a:lnTo>
+                  <a:lnTo>
+                    <a:pt x="12446" y="2728"/>
+                  </a:lnTo>
+                  <a:lnTo>
+                    <a:pt x="12641" y="2704"/>
+                  </a:lnTo>
+                  <a:lnTo>
+                    <a:pt x="12836" y="2704"/>
+                  </a:lnTo>
+                  <a:lnTo>
+                    <a:pt x="13055" y="2704"/>
+                  </a:lnTo>
+                  <a:lnTo>
+                    <a:pt x="13250" y="2728"/>
+                  </a:lnTo>
+                  <a:lnTo>
+                    <a:pt x="13469" y="2777"/>
+                  </a:lnTo>
+                  <a:lnTo>
+                    <a:pt x="13664" y="2850"/>
+                  </a:lnTo>
+                  <a:lnTo>
+                    <a:pt x="13834" y="2947"/>
+                  </a:lnTo>
+                  <a:lnTo>
+                    <a:pt x="14029" y="3045"/>
+                  </a:lnTo>
+                  <a:lnTo>
+                    <a:pt x="14199" y="3166"/>
+                  </a:lnTo>
+                  <a:lnTo>
+                    <a:pt x="14370" y="3313"/>
+                  </a:lnTo>
+                  <a:lnTo>
+                    <a:pt x="14370" y="3313"/>
+                  </a:lnTo>
+                  <a:lnTo>
+                    <a:pt x="14516" y="3483"/>
+                  </a:lnTo>
+                  <a:lnTo>
+                    <a:pt x="14638" y="3653"/>
+                  </a:lnTo>
+                  <a:lnTo>
+                    <a:pt x="14735" y="3848"/>
+                  </a:lnTo>
+                  <a:lnTo>
+                    <a:pt x="14833" y="4019"/>
+                  </a:lnTo>
+                  <a:lnTo>
+                    <a:pt x="14906" y="4214"/>
+                  </a:lnTo>
+                  <a:lnTo>
+                    <a:pt x="14954" y="4433"/>
+                  </a:lnTo>
+                  <a:lnTo>
+                    <a:pt x="14979" y="4628"/>
+                  </a:lnTo>
+                  <a:lnTo>
+                    <a:pt x="14979" y="4847"/>
+                  </a:lnTo>
+                  <a:lnTo>
+                    <a:pt x="14979" y="5042"/>
+                  </a:lnTo>
+                  <a:lnTo>
+                    <a:pt x="14954" y="5237"/>
+                  </a:lnTo>
+                  <a:lnTo>
+                    <a:pt x="14906" y="5456"/>
+                  </a:lnTo>
+                  <a:lnTo>
+                    <a:pt x="14833" y="5651"/>
+                  </a:lnTo>
+                  <a:lnTo>
+                    <a:pt x="14735" y="5821"/>
+                  </a:lnTo>
+                  <a:lnTo>
+                    <a:pt x="14638" y="6016"/>
+                  </a:lnTo>
+                  <a:lnTo>
+                    <a:pt x="14516" y="6186"/>
+                  </a:lnTo>
+                  <a:lnTo>
+                    <a:pt x="14370" y="6357"/>
+                  </a:lnTo>
+                  <a:lnTo>
+                    <a:pt x="14370" y="6357"/>
+                  </a:lnTo>
+                  <a:lnTo>
+                    <a:pt x="13396" y="7307"/>
+                  </a:lnTo>
+                  <a:lnTo>
+                    <a:pt x="13396" y="7307"/>
+                  </a:lnTo>
+                  <a:close/>
+                </a:path>
+              </a:pathLst>
+            </a:custGeom>
+            <a:noFill/>
+            <a:ln cap="rnd" w="9360">
+              <a:solidFill>
+                <a:schemeClr val="dk1"/>
+              </a:solidFill>
+              <a:round/>
+            </a:ln>
+          </p:spPr>
+          <p:style>
+            <a:lnRef idx="0"/>
+            <a:fillRef idx="0"/>
+            <a:effectRef idx="0"/>
+            <a:fontRef idx="minor"/>
+          </p:style>
+        </p:sp>
+        <p:sp>
+          <p:nvSpPr>
+            <p:cNvPr id="498" name="CustomShape 7"/>
+            <p:cNvSpPr/>
+            <p:nvPr/>
+          </p:nvSpPr>
+          <p:spPr>
+            <a:xfrm>
+              <a:off x="857880" y="1203120"/>
+              <a:ext cx="50400" cy="48600"/>
+            </a:xfrm>
+            <a:custGeom>
+              <a:avLst/>
+              <a:gdLst/>
+              <a:ahLst/>
+              <a:rect l="l" t="t" r="r" b="b"/>
+              <a:pathLst>
+                <a:path w="2924" h="2924">
+                  <a:moveTo>
+                    <a:pt x="2656" y="269"/>
+                  </a:moveTo>
+                  <a:lnTo>
+                    <a:pt x="2656" y="269"/>
+                  </a:lnTo>
+                  <a:lnTo>
+                    <a:pt x="2509" y="147"/>
+                  </a:lnTo>
+                  <a:lnTo>
+                    <a:pt x="2363" y="74"/>
+                  </a:lnTo>
+                  <a:lnTo>
+                    <a:pt x="2193" y="25"/>
+                  </a:lnTo>
+                  <a:lnTo>
+                    <a:pt x="2022" y="1"/>
+                  </a:lnTo>
+                  <a:lnTo>
+                    <a:pt x="1852" y="25"/>
+                  </a:lnTo>
+                  <a:lnTo>
+                    <a:pt x="1681" y="74"/>
+                  </a:lnTo>
+                  <a:lnTo>
+                    <a:pt x="1511" y="147"/>
+                  </a:lnTo>
+                  <a:lnTo>
+                    <a:pt x="1365" y="269"/>
+                  </a:lnTo>
+                  <a:lnTo>
+                    <a:pt x="1365" y="269"/>
+                  </a:lnTo>
+                  <a:lnTo>
+                    <a:pt x="1219" y="488"/>
+                  </a:lnTo>
+                  <a:lnTo>
+                    <a:pt x="999" y="829"/>
+                  </a:lnTo>
+                  <a:lnTo>
+                    <a:pt x="561" y="1730"/>
+                  </a:lnTo>
+                  <a:lnTo>
+                    <a:pt x="171" y="2558"/>
+                  </a:lnTo>
+                  <a:lnTo>
+                    <a:pt x="1" y="2924"/>
+                  </a:lnTo>
+                  <a:lnTo>
+                    <a:pt x="1" y="2924"/>
+                  </a:lnTo>
+                  <a:lnTo>
+                    <a:pt x="366" y="2753"/>
+                  </a:lnTo>
+                  <a:lnTo>
+                    <a:pt x="1194" y="2363"/>
+                  </a:lnTo>
+                  <a:lnTo>
+                    <a:pt x="2095" y="1925"/>
+                  </a:lnTo>
+                  <a:lnTo>
+                    <a:pt x="2436" y="1706"/>
+                  </a:lnTo>
+                  <a:lnTo>
+                    <a:pt x="2656" y="1560"/>
+                  </a:lnTo>
+                  <a:lnTo>
+                    <a:pt x="2656" y="1560"/>
+                  </a:lnTo>
+                  <a:lnTo>
+                    <a:pt x="2777" y="1414"/>
+                  </a:lnTo>
+                  <a:lnTo>
+                    <a:pt x="2850" y="1243"/>
+                  </a:lnTo>
+                  <a:lnTo>
+                    <a:pt x="2899" y="1073"/>
+                  </a:lnTo>
+                  <a:lnTo>
+                    <a:pt x="2923" y="902"/>
+                  </a:lnTo>
+                  <a:lnTo>
+                    <a:pt x="2899" y="732"/>
+                  </a:lnTo>
+                  <a:lnTo>
+                    <a:pt x="2850" y="561"/>
+                  </a:lnTo>
+                  <a:lnTo>
+                    <a:pt x="2777" y="415"/>
+                  </a:lnTo>
+                  <a:lnTo>
+                    <a:pt x="2656" y="269"/>
+                  </a:lnTo>
+                  <a:lnTo>
+                    <a:pt x="2656" y="269"/>
+                  </a:lnTo>
+                  <a:close/>
+                </a:path>
+              </a:pathLst>
+            </a:custGeom>
+            <a:noFill/>
+            <a:ln cap="rnd" w="9360">
+              <a:solidFill>
+                <a:schemeClr val="dk1"/>
+              </a:solidFill>
+              <a:round/>
+            </a:ln>
+          </p:spPr>
+          <p:style>
+            <a:lnRef idx="0"/>
+            <a:fillRef idx="0"/>
+            <a:effectRef idx="0"/>
+            <a:fontRef idx="minor"/>
+          </p:style>
+        </p:sp>
+        <p:sp>
+          <p:nvSpPr>
+            <p:cNvPr id="499" name="CustomShape 8"/>
+            <p:cNvSpPr/>
+            <p:nvPr/>
+          </p:nvSpPr>
+          <p:spPr>
+            <a:xfrm>
+              <a:off x="897120" y="1231920"/>
+              <a:ext cx="32040" cy="31320"/>
+            </a:xfrm>
+            <a:custGeom>
+              <a:avLst/>
+              <a:gdLst/>
+              <a:ahLst/>
+              <a:rect l="l" t="t" r="r" b="b"/>
+              <a:pathLst>
+                <a:path w="1877" h="1877">
+                  <a:moveTo>
+                    <a:pt x="1657" y="244"/>
+                  </a:moveTo>
+                  <a:lnTo>
+                    <a:pt x="1657" y="244"/>
+                  </a:lnTo>
+                  <a:lnTo>
+                    <a:pt x="1535" y="147"/>
+                  </a:lnTo>
+                  <a:lnTo>
+                    <a:pt x="1413" y="74"/>
+                  </a:lnTo>
+                  <a:lnTo>
+                    <a:pt x="1267" y="25"/>
+                  </a:lnTo>
+                  <a:lnTo>
+                    <a:pt x="1121" y="1"/>
+                  </a:lnTo>
+                  <a:lnTo>
+                    <a:pt x="975" y="25"/>
+                  </a:lnTo>
+                  <a:lnTo>
+                    <a:pt x="829" y="74"/>
+                  </a:lnTo>
+                  <a:lnTo>
+                    <a:pt x="707" y="147"/>
+                  </a:lnTo>
+                  <a:lnTo>
+                    <a:pt x="585" y="244"/>
+                  </a:lnTo>
+                  <a:lnTo>
+                    <a:pt x="585" y="244"/>
+                  </a:lnTo>
+                  <a:lnTo>
+                    <a:pt x="464" y="391"/>
+                  </a:lnTo>
+                  <a:lnTo>
+                    <a:pt x="366" y="610"/>
+                  </a:lnTo>
+                  <a:lnTo>
+                    <a:pt x="269" y="878"/>
+                  </a:lnTo>
+                  <a:lnTo>
+                    <a:pt x="171" y="1170"/>
+                  </a:lnTo>
+                  <a:lnTo>
+                    <a:pt x="50" y="1681"/>
+                  </a:lnTo>
+                  <a:lnTo>
+                    <a:pt x="1" y="1876"/>
+                  </a:lnTo>
+                  <a:lnTo>
+                    <a:pt x="1" y="1876"/>
+                  </a:lnTo>
+                  <a:lnTo>
+                    <a:pt x="220" y="1852"/>
+                  </a:lnTo>
+                  <a:lnTo>
+                    <a:pt x="731" y="1706"/>
+                  </a:lnTo>
+                  <a:lnTo>
+                    <a:pt x="999" y="1633"/>
+                  </a:lnTo>
+                  <a:lnTo>
+                    <a:pt x="1267" y="1535"/>
+                  </a:lnTo>
+                  <a:lnTo>
+                    <a:pt x="1511" y="1413"/>
+                  </a:lnTo>
+                  <a:lnTo>
+                    <a:pt x="1657" y="1316"/>
+                  </a:lnTo>
+                  <a:lnTo>
+                    <a:pt x="1657" y="1316"/>
+                  </a:lnTo>
+                  <a:lnTo>
+                    <a:pt x="1754" y="1194"/>
+                  </a:lnTo>
+                  <a:lnTo>
+                    <a:pt x="1827" y="1048"/>
+                  </a:lnTo>
+                  <a:lnTo>
+                    <a:pt x="1876" y="926"/>
+                  </a:lnTo>
+                  <a:lnTo>
+                    <a:pt x="1876" y="780"/>
+                  </a:lnTo>
+                  <a:lnTo>
+                    <a:pt x="1876" y="634"/>
+                  </a:lnTo>
+                  <a:lnTo>
+                    <a:pt x="1827" y="488"/>
+                  </a:lnTo>
+                  <a:lnTo>
+                    <a:pt x="1754" y="366"/>
+                  </a:lnTo>
+                  <a:lnTo>
+                    <a:pt x="1657" y="244"/>
+                  </a:lnTo>
+                  <a:lnTo>
+                    <a:pt x="1657" y="244"/>
+                  </a:lnTo>
+                  <a:close/>
+                </a:path>
+              </a:pathLst>
+            </a:custGeom>
+            <a:noFill/>
+            <a:ln cap="rnd" w="9360">
+              <a:solidFill>
+                <a:schemeClr val="dk1"/>
+              </a:solidFill>
+              <a:round/>
+            </a:ln>
+          </p:spPr>
+          <p:style>
+            <a:lnRef idx="0"/>
+            <a:fillRef idx="0"/>
+            <a:effectRef idx="0"/>
+            <a:fontRef idx="minor"/>
+          </p:style>
+        </p:sp>
+        <p:sp>
+          <p:nvSpPr>
+            <p:cNvPr id="500" name="CustomShape 9"/>
+            <p:cNvSpPr/>
+            <p:nvPr/>
+          </p:nvSpPr>
+          <p:spPr>
+            <a:xfrm>
+              <a:off x="846720" y="1182960"/>
+              <a:ext cx="32040" cy="31320"/>
+            </a:xfrm>
+            <a:custGeom>
+              <a:avLst/>
+              <a:gdLst/>
+              <a:ahLst/>
+              <a:rect l="l" t="t" r="r" b="b"/>
+              <a:pathLst>
+                <a:path w="1876" h="1876">
+                  <a:moveTo>
+                    <a:pt x="1632" y="219"/>
+                  </a:moveTo>
+                  <a:lnTo>
+                    <a:pt x="1632" y="219"/>
+                  </a:lnTo>
+                  <a:lnTo>
+                    <a:pt x="1510" y="122"/>
+                  </a:lnTo>
+                  <a:lnTo>
+                    <a:pt x="1388" y="49"/>
+                  </a:lnTo>
+                  <a:lnTo>
+                    <a:pt x="1242" y="0"/>
+                  </a:lnTo>
+                  <a:lnTo>
+                    <a:pt x="1096" y="0"/>
+                  </a:lnTo>
+                  <a:lnTo>
+                    <a:pt x="950" y="0"/>
+                  </a:lnTo>
+                  <a:lnTo>
+                    <a:pt x="828" y="49"/>
+                  </a:lnTo>
+                  <a:lnTo>
+                    <a:pt x="682" y="122"/>
+                  </a:lnTo>
+                  <a:lnTo>
+                    <a:pt x="560" y="219"/>
+                  </a:lnTo>
+                  <a:lnTo>
+                    <a:pt x="560" y="219"/>
+                  </a:lnTo>
+                  <a:lnTo>
+                    <a:pt x="463" y="366"/>
+                  </a:lnTo>
+                  <a:lnTo>
+                    <a:pt x="341" y="609"/>
+                  </a:lnTo>
+                  <a:lnTo>
+                    <a:pt x="244" y="877"/>
+                  </a:lnTo>
+                  <a:lnTo>
+                    <a:pt x="171" y="1145"/>
+                  </a:lnTo>
+                  <a:lnTo>
+                    <a:pt x="25" y="1656"/>
+                  </a:lnTo>
+                  <a:lnTo>
+                    <a:pt x="0" y="1876"/>
+                  </a:lnTo>
+                  <a:lnTo>
+                    <a:pt x="0" y="1876"/>
+                  </a:lnTo>
+                  <a:lnTo>
+                    <a:pt x="195" y="1827"/>
+                  </a:lnTo>
+                  <a:lnTo>
+                    <a:pt x="707" y="1705"/>
+                  </a:lnTo>
+                  <a:lnTo>
+                    <a:pt x="999" y="1608"/>
+                  </a:lnTo>
+                  <a:lnTo>
+                    <a:pt x="1267" y="1510"/>
+                  </a:lnTo>
+                  <a:lnTo>
+                    <a:pt x="1486" y="1413"/>
+                  </a:lnTo>
+                  <a:lnTo>
+                    <a:pt x="1632" y="1291"/>
+                  </a:lnTo>
+                  <a:lnTo>
+                    <a:pt x="1632" y="1291"/>
+                  </a:lnTo>
+                  <a:lnTo>
+                    <a:pt x="1729" y="1169"/>
+                  </a:lnTo>
+                  <a:lnTo>
+                    <a:pt x="1802" y="1048"/>
+                  </a:lnTo>
+                  <a:lnTo>
+                    <a:pt x="1851" y="901"/>
+                  </a:lnTo>
+                  <a:lnTo>
+                    <a:pt x="1876" y="755"/>
+                  </a:lnTo>
+                  <a:lnTo>
+                    <a:pt x="1851" y="609"/>
+                  </a:lnTo>
+                  <a:lnTo>
+                    <a:pt x="1802" y="463"/>
+                  </a:lnTo>
+                  <a:lnTo>
+                    <a:pt x="1729" y="341"/>
+                  </a:lnTo>
+                  <a:lnTo>
+                    <a:pt x="1632" y="219"/>
+                  </a:lnTo>
+                  <a:lnTo>
+                    <a:pt x="1632" y="219"/>
+                  </a:lnTo>
+                  <a:close/>
+                </a:path>
+              </a:pathLst>
+            </a:custGeom>
+            <a:noFill/>
+            <a:ln cap="rnd" w="9360">
+              <a:solidFill>
+                <a:schemeClr val="dk1"/>
+              </a:solidFill>
+              <a:round/>
+            </a:ln>
+          </p:spPr>
+          <p:style>
+            <a:lnRef idx="0"/>
+            <a:fillRef idx="0"/>
+            <a:effectRef idx="0"/>
+            <a:fontRef idx="minor"/>
+          </p:style>
+        </p:sp>
+      </p:grpSp>
       <p:sp>
         <p:nvSpPr>
-          <p:cNvPr id="495" name="CustomShape 5"/>
+          <p:cNvPr id="501" name="CustomShape 10"/>
           <p:cNvSpPr/>
           <p:nvPr/>
         </p:nvSpPr>
         <p:spPr>
           <a:xfrm>
             <a:off x="6331320" y="1990080"/>
-            <a:ext cx="2629800" cy="2647080"/>
+            <a:ext cx="2629440" cy="2708280"/>
           </a:xfrm>
           <a:prstGeom prst="rect">
             <a:avLst/>
@@ -23285,15 +24288,10 @@
             <a:spAutoFit/>
           </a:bodyPr>
           <a:p>
-            <a:pPr marL="216000" indent="-216000">
+            <a:pPr>
               <a:lnSpc>
                 <a:spcPct val="100000"/>
               </a:lnSpc>
-              <a:buClr>
-                <a:srgbClr val="000000"/>
-              </a:buClr>
-              <a:buFont typeface="Arial"/>
-              <a:buChar char="●"/>
             </a:pPr>
             <a:endParaRPr b="0" lang="en-US" sz="1800" spc="-1" strike="noStrike">
               <a:latin typeface="Arial"/>
@@ -23330,7 +24328,7 @@
             </a:endParaRPr>
           </a:p>
           <a:p>
-            <a:pPr marL="216000" indent="-216000">
+            <a:pPr marL="216000" indent="-215640">
               <a:lnSpc>
                 <a:spcPct val="100000"/>
               </a:lnSpc>
@@ -23355,7 +24353,7 @@
             </a:endParaRPr>
           </a:p>
           <a:p>
-            <a:pPr marL="216000" indent="-216000">
+            <a:pPr marL="216000" indent="-215640">
               <a:lnSpc>
                 <a:spcPct val="100000"/>
               </a:lnSpc>
@@ -23380,7 +24378,7 @@
             </a:endParaRPr>
           </a:p>
           <a:p>
-            <a:pPr marL="216000" indent="-216000">
+            <a:pPr marL="216000" indent="-215640">
               <a:lnSpc>
                 <a:spcPct val="100000"/>
               </a:lnSpc>
@@ -23416,1057 +24414,6 @@
           </a:p>
         </p:txBody>
       </p:sp>
-      <p:grpSp>
-        <p:nvGrpSpPr>
-          <p:cNvPr id="496" name="Group 6"/>
-          <p:cNvGrpSpPr/>
-          <p:nvPr/>
-        </p:nvGrpSpPr>
-        <p:grpSpPr>
-          <a:xfrm>
-            <a:off x="844560" y="968400"/>
-            <a:ext cx="306000" cy="296640"/>
-            <a:chOff x="844560" y="968400"/>
-            <a:chExt cx="306000" cy="296640"/>
-          </a:xfrm>
-        </p:grpSpPr>
-        <p:sp>
-          <p:nvSpPr>
-            <p:cNvPr id="497" name="CustomShape 7"/>
-            <p:cNvSpPr/>
-            <p:nvPr/>
-          </p:nvSpPr>
-          <p:spPr>
-            <a:xfrm>
-              <a:off x="844560" y="968400"/>
-              <a:ext cx="306000" cy="296640"/>
-            </a:xfrm>
-            <a:custGeom>
-              <a:avLst/>
-              <a:gdLst/>
-              <a:ahLst/>
-              <a:rect l="l" t="t" r="r" b="b"/>
-              <a:pathLst>
-                <a:path w="17683" h="17682">
-                  <a:moveTo>
-                    <a:pt x="11472" y="17292"/>
-                  </a:moveTo>
-                  <a:lnTo>
-                    <a:pt x="11472" y="12153"/>
-                  </a:lnTo>
-                  <a:lnTo>
-                    <a:pt x="16416" y="7209"/>
-                  </a:lnTo>
-                  <a:lnTo>
-                    <a:pt x="16416" y="7209"/>
-                  </a:lnTo>
-                  <a:lnTo>
-                    <a:pt x="16562" y="7063"/>
-                  </a:lnTo>
-                  <a:lnTo>
-                    <a:pt x="16684" y="6868"/>
-                  </a:lnTo>
-                  <a:lnTo>
-                    <a:pt x="16830" y="6674"/>
-                  </a:lnTo>
-                  <a:lnTo>
-                    <a:pt x="16927" y="6479"/>
-                  </a:lnTo>
-                  <a:lnTo>
-                    <a:pt x="17146" y="6040"/>
-                  </a:lnTo>
-                  <a:lnTo>
-                    <a:pt x="17317" y="5553"/>
-                  </a:lnTo>
-                  <a:lnTo>
-                    <a:pt x="17439" y="5042"/>
-                  </a:lnTo>
-                  <a:lnTo>
-                    <a:pt x="17560" y="4506"/>
-                  </a:lnTo>
-                  <a:lnTo>
-                    <a:pt x="17633" y="3970"/>
-                  </a:lnTo>
-                  <a:lnTo>
-                    <a:pt x="17658" y="3434"/>
-                  </a:lnTo>
-                  <a:lnTo>
-                    <a:pt x="17682" y="2898"/>
-                  </a:lnTo>
-                  <a:lnTo>
-                    <a:pt x="17682" y="2411"/>
-                  </a:lnTo>
-                  <a:lnTo>
-                    <a:pt x="17658" y="1949"/>
-                  </a:lnTo>
-                  <a:lnTo>
-                    <a:pt x="17609" y="1510"/>
-                  </a:lnTo>
-                  <a:lnTo>
-                    <a:pt x="17536" y="1145"/>
-                  </a:lnTo>
-                  <a:lnTo>
-                    <a:pt x="17463" y="828"/>
-                  </a:lnTo>
-                  <a:lnTo>
-                    <a:pt x="17366" y="585"/>
-                  </a:lnTo>
-                  <a:lnTo>
-                    <a:pt x="17292" y="487"/>
-                  </a:lnTo>
-                  <a:lnTo>
-                    <a:pt x="17244" y="439"/>
-                  </a:lnTo>
-                  <a:lnTo>
-                    <a:pt x="17244" y="439"/>
-                  </a:lnTo>
-                  <a:lnTo>
-                    <a:pt x="17195" y="390"/>
-                  </a:lnTo>
-                  <a:lnTo>
-                    <a:pt x="17098" y="317"/>
-                  </a:lnTo>
-                  <a:lnTo>
-                    <a:pt x="16854" y="219"/>
-                  </a:lnTo>
-                  <a:lnTo>
-                    <a:pt x="16537" y="146"/>
-                  </a:lnTo>
-                  <a:lnTo>
-                    <a:pt x="16172" y="73"/>
-                  </a:lnTo>
-                  <a:lnTo>
-                    <a:pt x="15734" y="25"/>
-                  </a:lnTo>
-                  <a:lnTo>
-                    <a:pt x="15271" y="0"/>
-                  </a:lnTo>
-                  <a:lnTo>
-                    <a:pt x="14784" y="0"/>
-                  </a:lnTo>
-                  <a:lnTo>
-                    <a:pt x="14248" y="25"/>
-                  </a:lnTo>
-                  <a:lnTo>
-                    <a:pt x="13712" y="49"/>
-                  </a:lnTo>
-                  <a:lnTo>
-                    <a:pt x="13176" y="122"/>
-                  </a:lnTo>
-                  <a:lnTo>
-                    <a:pt x="12641" y="244"/>
-                  </a:lnTo>
-                  <a:lnTo>
-                    <a:pt x="12129" y="366"/>
-                  </a:lnTo>
-                  <a:lnTo>
-                    <a:pt x="11642" y="536"/>
-                  </a:lnTo>
-                  <a:lnTo>
-                    <a:pt x="11204" y="755"/>
-                  </a:lnTo>
-                  <a:lnTo>
-                    <a:pt x="10985" y="853"/>
-                  </a:lnTo>
-                  <a:lnTo>
-                    <a:pt x="10814" y="999"/>
-                  </a:lnTo>
-                  <a:lnTo>
-                    <a:pt x="10619" y="1121"/>
-                  </a:lnTo>
-                  <a:lnTo>
-                    <a:pt x="10473" y="1267"/>
-                  </a:lnTo>
-                  <a:lnTo>
-                    <a:pt x="5529" y="6211"/>
-                  </a:lnTo>
-                  <a:lnTo>
-                    <a:pt x="390" y="6211"/>
-                  </a:lnTo>
-                  <a:lnTo>
-                    <a:pt x="390" y="6211"/>
-                  </a:lnTo>
-                  <a:lnTo>
-                    <a:pt x="244" y="6235"/>
-                  </a:lnTo>
-                  <a:lnTo>
-                    <a:pt x="147" y="6259"/>
-                  </a:lnTo>
-                  <a:lnTo>
-                    <a:pt x="49" y="6308"/>
-                  </a:lnTo>
-                  <a:lnTo>
-                    <a:pt x="0" y="6381"/>
-                  </a:lnTo>
-                  <a:lnTo>
-                    <a:pt x="0" y="6454"/>
-                  </a:lnTo>
-                  <a:lnTo>
-                    <a:pt x="25" y="6552"/>
-                  </a:lnTo>
-                  <a:lnTo>
-                    <a:pt x="74" y="6649"/>
-                  </a:lnTo>
-                  <a:lnTo>
-                    <a:pt x="171" y="6771"/>
-                  </a:lnTo>
-                  <a:lnTo>
-                    <a:pt x="2582" y="9158"/>
-                  </a:lnTo>
-                  <a:lnTo>
-                    <a:pt x="2265" y="9474"/>
-                  </a:lnTo>
-                  <a:lnTo>
-                    <a:pt x="950" y="9718"/>
-                  </a:lnTo>
-                  <a:lnTo>
-                    <a:pt x="950" y="9718"/>
-                  </a:lnTo>
-                  <a:lnTo>
-                    <a:pt x="804" y="9767"/>
-                  </a:lnTo>
-                  <a:lnTo>
-                    <a:pt x="682" y="9815"/>
-                  </a:lnTo>
-                  <a:lnTo>
-                    <a:pt x="609" y="9913"/>
-                  </a:lnTo>
-                  <a:lnTo>
-                    <a:pt x="561" y="9986"/>
-                  </a:lnTo>
-                  <a:lnTo>
-                    <a:pt x="561" y="10083"/>
-                  </a:lnTo>
-                  <a:lnTo>
-                    <a:pt x="585" y="10205"/>
-                  </a:lnTo>
-                  <a:lnTo>
-                    <a:pt x="634" y="10302"/>
-                  </a:lnTo>
-                  <a:lnTo>
-                    <a:pt x="731" y="10424"/>
-                  </a:lnTo>
-                  <a:lnTo>
-                    <a:pt x="7258" y="16951"/>
-                  </a:lnTo>
-                  <a:lnTo>
-                    <a:pt x="7258" y="16951"/>
-                  </a:lnTo>
-                  <a:lnTo>
-                    <a:pt x="7380" y="17049"/>
-                  </a:lnTo>
-                  <a:lnTo>
-                    <a:pt x="7477" y="17097"/>
-                  </a:lnTo>
-                  <a:lnTo>
-                    <a:pt x="7599" y="17122"/>
-                  </a:lnTo>
-                  <a:lnTo>
-                    <a:pt x="7697" y="17122"/>
-                  </a:lnTo>
-                  <a:lnTo>
-                    <a:pt x="7770" y="17073"/>
-                  </a:lnTo>
-                  <a:lnTo>
-                    <a:pt x="7867" y="17000"/>
-                  </a:lnTo>
-                  <a:lnTo>
-                    <a:pt x="7916" y="16878"/>
-                  </a:lnTo>
-                  <a:lnTo>
-                    <a:pt x="7965" y="16732"/>
-                  </a:lnTo>
-                  <a:lnTo>
-                    <a:pt x="8208" y="15417"/>
-                  </a:lnTo>
-                  <a:lnTo>
-                    <a:pt x="8525" y="15100"/>
-                  </a:lnTo>
-                  <a:lnTo>
-                    <a:pt x="10911" y="17511"/>
-                  </a:lnTo>
-                  <a:lnTo>
-                    <a:pt x="10911" y="17511"/>
-                  </a:lnTo>
-                  <a:lnTo>
-                    <a:pt x="11033" y="17609"/>
-                  </a:lnTo>
-                  <a:lnTo>
-                    <a:pt x="11131" y="17658"/>
-                  </a:lnTo>
-                  <a:lnTo>
-                    <a:pt x="11228" y="17682"/>
-                  </a:lnTo>
-                  <a:lnTo>
-                    <a:pt x="11301" y="17682"/>
-                  </a:lnTo>
-                  <a:lnTo>
-                    <a:pt x="11374" y="17633"/>
-                  </a:lnTo>
-                  <a:lnTo>
-                    <a:pt x="11423" y="17536"/>
-                  </a:lnTo>
-                  <a:lnTo>
-                    <a:pt x="11447" y="17438"/>
-                  </a:lnTo>
-                  <a:lnTo>
-                    <a:pt x="11472" y="17292"/>
-                  </a:lnTo>
-                  <a:lnTo>
-                    <a:pt x="11472" y="17292"/>
-                  </a:lnTo>
-                  <a:close/>
-                  <a:moveTo>
-                    <a:pt x="6162" y="12202"/>
-                  </a:moveTo>
-                  <a:lnTo>
-                    <a:pt x="6162" y="12202"/>
-                  </a:lnTo>
-                  <a:lnTo>
-                    <a:pt x="6089" y="12275"/>
-                  </a:lnTo>
-                  <a:lnTo>
-                    <a:pt x="6016" y="12324"/>
-                  </a:lnTo>
-                  <a:lnTo>
-                    <a:pt x="5919" y="12348"/>
-                  </a:lnTo>
-                  <a:lnTo>
-                    <a:pt x="5821" y="12348"/>
-                  </a:lnTo>
-                  <a:lnTo>
-                    <a:pt x="5724" y="12348"/>
-                  </a:lnTo>
-                  <a:lnTo>
-                    <a:pt x="5626" y="12324"/>
-                  </a:lnTo>
-                  <a:lnTo>
-                    <a:pt x="5553" y="12275"/>
-                  </a:lnTo>
-                  <a:lnTo>
-                    <a:pt x="5480" y="12202"/>
-                  </a:lnTo>
-                  <a:lnTo>
-                    <a:pt x="5480" y="12202"/>
-                  </a:lnTo>
-                  <a:lnTo>
-                    <a:pt x="5407" y="12129"/>
-                  </a:lnTo>
-                  <a:lnTo>
-                    <a:pt x="5359" y="12056"/>
-                  </a:lnTo>
-                  <a:lnTo>
-                    <a:pt x="5334" y="11959"/>
-                  </a:lnTo>
-                  <a:lnTo>
-                    <a:pt x="5334" y="11861"/>
-                  </a:lnTo>
-                  <a:lnTo>
-                    <a:pt x="5334" y="11764"/>
-                  </a:lnTo>
-                  <a:lnTo>
-                    <a:pt x="5359" y="11666"/>
-                  </a:lnTo>
-                  <a:lnTo>
-                    <a:pt x="5407" y="11593"/>
-                  </a:lnTo>
-                  <a:lnTo>
-                    <a:pt x="5480" y="11520"/>
-                  </a:lnTo>
-                  <a:lnTo>
-                    <a:pt x="8013" y="8987"/>
-                  </a:lnTo>
-                  <a:lnTo>
-                    <a:pt x="8013" y="8987"/>
-                  </a:lnTo>
-                  <a:lnTo>
-                    <a:pt x="8086" y="8939"/>
-                  </a:lnTo>
-                  <a:lnTo>
-                    <a:pt x="8159" y="8890"/>
-                  </a:lnTo>
-                  <a:lnTo>
-                    <a:pt x="8257" y="8865"/>
-                  </a:lnTo>
-                  <a:lnTo>
-                    <a:pt x="8354" y="8841"/>
-                  </a:lnTo>
-                  <a:lnTo>
-                    <a:pt x="8452" y="8865"/>
-                  </a:lnTo>
-                  <a:lnTo>
-                    <a:pt x="8525" y="8890"/>
-                  </a:lnTo>
-                  <a:lnTo>
-                    <a:pt x="8622" y="8939"/>
-                  </a:lnTo>
-                  <a:lnTo>
-                    <a:pt x="8695" y="8987"/>
-                  </a:lnTo>
-                  <a:lnTo>
-                    <a:pt x="8695" y="8987"/>
-                  </a:lnTo>
-                  <a:lnTo>
-                    <a:pt x="8744" y="9060"/>
-                  </a:lnTo>
-                  <a:lnTo>
-                    <a:pt x="8793" y="9158"/>
-                  </a:lnTo>
-                  <a:lnTo>
-                    <a:pt x="8817" y="9231"/>
-                  </a:lnTo>
-                  <a:lnTo>
-                    <a:pt x="8841" y="9328"/>
-                  </a:lnTo>
-                  <a:lnTo>
-                    <a:pt x="8817" y="9426"/>
-                  </a:lnTo>
-                  <a:lnTo>
-                    <a:pt x="8793" y="9523"/>
-                  </a:lnTo>
-                  <a:lnTo>
-                    <a:pt x="8744" y="9596"/>
-                  </a:lnTo>
-                  <a:lnTo>
-                    <a:pt x="8695" y="9669"/>
-                  </a:lnTo>
-                  <a:lnTo>
-                    <a:pt x="6162" y="12202"/>
-                  </a:lnTo>
-                  <a:close/>
-                  <a:moveTo>
-                    <a:pt x="13396" y="7307"/>
-                  </a:moveTo>
-                  <a:lnTo>
-                    <a:pt x="13396" y="7307"/>
-                  </a:lnTo>
-                  <a:lnTo>
-                    <a:pt x="13274" y="7404"/>
-                  </a:lnTo>
-                  <a:lnTo>
-                    <a:pt x="13152" y="7477"/>
-                  </a:lnTo>
-                  <a:lnTo>
-                    <a:pt x="13006" y="7526"/>
-                  </a:lnTo>
-                  <a:lnTo>
-                    <a:pt x="12836" y="7550"/>
-                  </a:lnTo>
-                  <a:lnTo>
-                    <a:pt x="12689" y="7526"/>
-                  </a:lnTo>
-                  <a:lnTo>
-                    <a:pt x="12543" y="7477"/>
-                  </a:lnTo>
-                  <a:lnTo>
-                    <a:pt x="12421" y="7404"/>
-                  </a:lnTo>
-                  <a:lnTo>
-                    <a:pt x="12300" y="7307"/>
-                  </a:lnTo>
-                  <a:lnTo>
-                    <a:pt x="10376" y="5383"/>
-                  </a:lnTo>
-                  <a:lnTo>
-                    <a:pt x="10376" y="5383"/>
-                  </a:lnTo>
-                  <a:lnTo>
-                    <a:pt x="10278" y="5261"/>
-                  </a:lnTo>
-                  <a:lnTo>
-                    <a:pt x="10205" y="5139"/>
-                  </a:lnTo>
-                  <a:lnTo>
-                    <a:pt x="10156" y="4993"/>
-                  </a:lnTo>
-                  <a:lnTo>
-                    <a:pt x="10132" y="4847"/>
-                  </a:lnTo>
-                  <a:lnTo>
-                    <a:pt x="10156" y="4676"/>
-                  </a:lnTo>
-                  <a:lnTo>
-                    <a:pt x="10205" y="4530"/>
-                  </a:lnTo>
-                  <a:lnTo>
-                    <a:pt x="10278" y="4408"/>
-                  </a:lnTo>
-                  <a:lnTo>
-                    <a:pt x="10376" y="4287"/>
-                  </a:lnTo>
-                  <a:lnTo>
-                    <a:pt x="10376" y="4287"/>
-                  </a:lnTo>
-                  <a:lnTo>
-                    <a:pt x="11326" y="3313"/>
-                  </a:lnTo>
-                  <a:lnTo>
-                    <a:pt x="11326" y="3313"/>
-                  </a:lnTo>
-                  <a:lnTo>
-                    <a:pt x="11496" y="3166"/>
-                  </a:lnTo>
-                  <a:lnTo>
-                    <a:pt x="11666" y="3045"/>
-                  </a:lnTo>
-                  <a:lnTo>
-                    <a:pt x="11861" y="2947"/>
-                  </a:lnTo>
-                  <a:lnTo>
-                    <a:pt x="12032" y="2850"/>
-                  </a:lnTo>
-                  <a:lnTo>
-                    <a:pt x="12227" y="2777"/>
-                  </a:lnTo>
-                  <a:lnTo>
-                    <a:pt x="12446" y="2728"/>
-                  </a:lnTo>
-                  <a:lnTo>
-                    <a:pt x="12641" y="2704"/>
-                  </a:lnTo>
-                  <a:lnTo>
-                    <a:pt x="12836" y="2704"/>
-                  </a:lnTo>
-                  <a:lnTo>
-                    <a:pt x="13055" y="2704"/>
-                  </a:lnTo>
-                  <a:lnTo>
-                    <a:pt x="13250" y="2728"/>
-                  </a:lnTo>
-                  <a:lnTo>
-                    <a:pt x="13469" y="2777"/>
-                  </a:lnTo>
-                  <a:lnTo>
-                    <a:pt x="13664" y="2850"/>
-                  </a:lnTo>
-                  <a:lnTo>
-                    <a:pt x="13834" y="2947"/>
-                  </a:lnTo>
-                  <a:lnTo>
-                    <a:pt x="14029" y="3045"/>
-                  </a:lnTo>
-                  <a:lnTo>
-                    <a:pt x="14199" y="3166"/>
-                  </a:lnTo>
-                  <a:lnTo>
-                    <a:pt x="14370" y="3313"/>
-                  </a:lnTo>
-                  <a:lnTo>
-                    <a:pt x="14370" y="3313"/>
-                  </a:lnTo>
-                  <a:lnTo>
-                    <a:pt x="14516" y="3483"/>
-                  </a:lnTo>
-                  <a:lnTo>
-                    <a:pt x="14638" y="3653"/>
-                  </a:lnTo>
-                  <a:lnTo>
-                    <a:pt x="14735" y="3848"/>
-                  </a:lnTo>
-                  <a:lnTo>
-                    <a:pt x="14833" y="4019"/>
-                  </a:lnTo>
-                  <a:lnTo>
-                    <a:pt x="14906" y="4214"/>
-                  </a:lnTo>
-                  <a:lnTo>
-                    <a:pt x="14954" y="4433"/>
-                  </a:lnTo>
-                  <a:lnTo>
-                    <a:pt x="14979" y="4628"/>
-                  </a:lnTo>
-                  <a:lnTo>
-                    <a:pt x="14979" y="4847"/>
-                  </a:lnTo>
-                  <a:lnTo>
-                    <a:pt x="14979" y="5042"/>
-                  </a:lnTo>
-                  <a:lnTo>
-                    <a:pt x="14954" y="5237"/>
-                  </a:lnTo>
-                  <a:lnTo>
-                    <a:pt x="14906" y="5456"/>
-                  </a:lnTo>
-                  <a:lnTo>
-                    <a:pt x="14833" y="5651"/>
-                  </a:lnTo>
-                  <a:lnTo>
-                    <a:pt x="14735" y="5821"/>
-                  </a:lnTo>
-                  <a:lnTo>
-                    <a:pt x="14638" y="6016"/>
-                  </a:lnTo>
-                  <a:lnTo>
-                    <a:pt x="14516" y="6186"/>
-                  </a:lnTo>
-                  <a:lnTo>
-                    <a:pt x="14370" y="6357"/>
-                  </a:lnTo>
-                  <a:lnTo>
-                    <a:pt x="14370" y="6357"/>
-                  </a:lnTo>
-                  <a:lnTo>
-                    <a:pt x="13396" y="7307"/>
-                  </a:lnTo>
-                  <a:lnTo>
-                    <a:pt x="13396" y="7307"/>
-                  </a:lnTo>
-                  <a:close/>
-                </a:path>
-              </a:pathLst>
-            </a:custGeom>
-            <a:noFill/>
-            <a:ln cap="rnd" w="9360">
-              <a:solidFill>
-                <a:schemeClr val="dk1"/>
-              </a:solidFill>
-              <a:round/>
-            </a:ln>
-          </p:spPr>
-          <p:style>
-            <a:lnRef idx="0"/>
-            <a:fillRef idx="0"/>
-            <a:effectRef idx="0"/>
-            <a:fontRef idx="minor"/>
-          </p:style>
-        </p:sp>
-        <p:sp>
-          <p:nvSpPr>
-            <p:cNvPr id="498" name="CustomShape 8"/>
-            <p:cNvSpPr/>
-            <p:nvPr/>
-          </p:nvSpPr>
-          <p:spPr>
-            <a:xfrm>
-              <a:off x="857880" y="1203120"/>
-              <a:ext cx="50400" cy="48600"/>
-            </a:xfrm>
-            <a:custGeom>
-              <a:avLst/>
-              <a:gdLst/>
-              <a:ahLst/>
-              <a:rect l="l" t="t" r="r" b="b"/>
-              <a:pathLst>
-                <a:path w="2924" h="2924">
-                  <a:moveTo>
-                    <a:pt x="2656" y="269"/>
-                  </a:moveTo>
-                  <a:lnTo>
-                    <a:pt x="2656" y="269"/>
-                  </a:lnTo>
-                  <a:lnTo>
-                    <a:pt x="2509" y="147"/>
-                  </a:lnTo>
-                  <a:lnTo>
-                    <a:pt x="2363" y="74"/>
-                  </a:lnTo>
-                  <a:lnTo>
-                    <a:pt x="2193" y="25"/>
-                  </a:lnTo>
-                  <a:lnTo>
-                    <a:pt x="2022" y="1"/>
-                  </a:lnTo>
-                  <a:lnTo>
-                    <a:pt x="1852" y="25"/>
-                  </a:lnTo>
-                  <a:lnTo>
-                    <a:pt x="1681" y="74"/>
-                  </a:lnTo>
-                  <a:lnTo>
-                    <a:pt x="1511" y="147"/>
-                  </a:lnTo>
-                  <a:lnTo>
-                    <a:pt x="1365" y="269"/>
-                  </a:lnTo>
-                  <a:lnTo>
-                    <a:pt x="1365" y="269"/>
-                  </a:lnTo>
-                  <a:lnTo>
-                    <a:pt x="1219" y="488"/>
-                  </a:lnTo>
-                  <a:lnTo>
-                    <a:pt x="999" y="829"/>
-                  </a:lnTo>
-                  <a:lnTo>
-                    <a:pt x="561" y="1730"/>
-                  </a:lnTo>
-                  <a:lnTo>
-                    <a:pt x="171" y="2558"/>
-                  </a:lnTo>
-                  <a:lnTo>
-                    <a:pt x="1" y="2924"/>
-                  </a:lnTo>
-                  <a:lnTo>
-                    <a:pt x="1" y="2924"/>
-                  </a:lnTo>
-                  <a:lnTo>
-                    <a:pt x="366" y="2753"/>
-                  </a:lnTo>
-                  <a:lnTo>
-                    <a:pt x="1194" y="2363"/>
-                  </a:lnTo>
-                  <a:lnTo>
-                    <a:pt x="2095" y="1925"/>
-                  </a:lnTo>
-                  <a:lnTo>
-                    <a:pt x="2436" y="1706"/>
-                  </a:lnTo>
-                  <a:lnTo>
-                    <a:pt x="2656" y="1560"/>
-                  </a:lnTo>
-                  <a:lnTo>
-                    <a:pt x="2656" y="1560"/>
-                  </a:lnTo>
-                  <a:lnTo>
-                    <a:pt x="2777" y="1414"/>
-                  </a:lnTo>
-                  <a:lnTo>
-                    <a:pt x="2850" y="1243"/>
-                  </a:lnTo>
-                  <a:lnTo>
-                    <a:pt x="2899" y="1073"/>
-                  </a:lnTo>
-                  <a:lnTo>
-                    <a:pt x="2923" y="902"/>
-                  </a:lnTo>
-                  <a:lnTo>
-                    <a:pt x="2899" y="732"/>
-                  </a:lnTo>
-                  <a:lnTo>
-                    <a:pt x="2850" y="561"/>
-                  </a:lnTo>
-                  <a:lnTo>
-                    <a:pt x="2777" y="415"/>
-                  </a:lnTo>
-                  <a:lnTo>
-                    <a:pt x="2656" y="269"/>
-                  </a:lnTo>
-                  <a:lnTo>
-                    <a:pt x="2656" y="269"/>
-                  </a:lnTo>
-                  <a:close/>
-                </a:path>
-              </a:pathLst>
-            </a:custGeom>
-            <a:noFill/>
-            <a:ln cap="rnd" w="9360">
-              <a:solidFill>
-                <a:schemeClr val="dk1"/>
-              </a:solidFill>
-              <a:round/>
-            </a:ln>
-          </p:spPr>
-          <p:style>
-            <a:lnRef idx="0"/>
-            <a:fillRef idx="0"/>
-            <a:effectRef idx="0"/>
-            <a:fontRef idx="minor"/>
-          </p:style>
-        </p:sp>
-        <p:sp>
-          <p:nvSpPr>
-            <p:cNvPr id="499" name="CustomShape 9"/>
-            <p:cNvSpPr/>
-            <p:nvPr/>
-          </p:nvSpPr>
-          <p:spPr>
-            <a:xfrm>
-              <a:off x="897120" y="1231920"/>
-              <a:ext cx="32040" cy="31320"/>
-            </a:xfrm>
-            <a:custGeom>
-              <a:avLst/>
-              <a:gdLst/>
-              <a:ahLst/>
-              <a:rect l="l" t="t" r="r" b="b"/>
-              <a:pathLst>
-                <a:path w="1877" h="1877">
-                  <a:moveTo>
-                    <a:pt x="1657" y="244"/>
-                  </a:moveTo>
-                  <a:lnTo>
-                    <a:pt x="1657" y="244"/>
-                  </a:lnTo>
-                  <a:lnTo>
-                    <a:pt x="1535" y="147"/>
-                  </a:lnTo>
-                  <a:lnTo>
-                    <a:pt x="1413" y="74"/>
-                  </a:lnTo>
-                  <a:lnTo>
-                    <a:pt x="1267" y="25"/>
-                  </a:lnTo>
-                  <a:lnTo>
-                    <a:pt x="1121" y="1"/>
-                  </a:lnTo>
-                  <a:lnTo>
-                    <a:pt x="975" y="25"/>
-                  </a:lnTo>
-                  <a:lnTo>
-                    <a:pt x="829" y="74"/>
-                  </a:lnTo>
-                  <a:lnTo>
-                    <a:pt x="707" y="147"/>
-                  </a:lnTo>
-                  <a:lnTo>
-                    <a:pt x="585" y="244"/>
-                  </a:lnTo>
-                  <a:lnTo>
-                    <a:pt x="585" y="244"/>
-                  </a:lnTo>
-                  <a:lnTo>
-                    <a:pt x="464" y="391"/>
-                  </a:lnTo>
-                  <a:lnTo>
-                    <a:pt x="366" y="610"/>
-                  </a:lnTo>
-                  <a:lnTo>
-                    <a:pt x="269" y="878"/>
-                  </a:lnTo>
-                  <a:lnTo>
-                    <a:pt x="171" y="1170"/>
-                  </a:lnTo>
-                  <a:lnTo>
-                    <a:pt x="50" y="1681"/>
-                  </a:lnTo>
-                  <a:lnTo>
-                    <a:pt x="1" y="1876"/>
-                  </a:lnTo>
-                  <a:lnTo>
-                    <a:pt x="1" y="1876"/>
-                  </a:lnTo>
-                  <a:lnTo>
-                    <a:pt x="220" y="1852"/>
-                  </a:lnTo>
-                  <a:lnTo>
-                    <a:pt x="731" y="1706"/>
-                  </a:lnTo>
-                  <a:lnTo>
-                    <a:pt x="999" y="1633"/>
-                  </a:lnTo>
-                  <a:lnTo>
-                    <a:pt x="1267" y="1535"/>
-                  </a:lnTo>
-                  <a:lnTo>
-                    <a:pt x="1511" y="1413"/>
-                  </a:lnTo>
-                  <a:lnTo>
-                    <a:pt x="1657" y="1316"/>
-                  </a:lnTo>
-                  <a:lnTo>
-                    <a:pt x="1657" y="1316"/>
-                  </a:lnTo>
-                  <a:lnTo>
-                    <a:pt x="1754" y="1194"/>
-                  </a:lnTo>
-                  <a:lnTo>
-                    <a:pt x="1827" y="1048"/>
-                  </a:lnTo>
-                  <a:lnTo>
-                    <a:pt x="1876" y="926"/>
-                  </a:lnTo>
-                  <a:lnTo>
-                    <a:pt x="1876" y="780"/>
-                  </a:lnTo>
-                  <a:lnTo>
-                    <a:pt x="1876" y="634"/>
-                  </a:lnTo>
-                  <a:lnTo>
-                    <a:pt x="1827" y="488"/>
-                  </a:lnTo>
-                  <a:lnTo>
-                    <a:pt x="1754" y="366"/>
-                  </a:lnTo>
-                  <a:lnTo>
-                    <a:pt x="1657" y="244"/>
-                  </a:lnTo>
-                  <a:lnTo>
-                    <a:pt x="1657" y="244"/>
-                  </a:lnTo>
-                  <a:close/>
-                </a:path>
-              </a:pathLst>
-            </a:custGeom>
-            <a:noFill/>
-            <a:ln cap="rnd" w="9360">
-              <a:solidFill>
-                <a:schemeClr val="dk1"/>
-              </a:solidFill>
-              <a:round/>
-            </a:ln>
-          </p:spPr>
-          <p:style>
-            <a:lnRef idx="0"/>
-            <a:fillRef idx="0"/>
-            <a:effectRef idx="0"/>
-            <a:fontRef idx="minor"/>
-          </p:style>
-        </p:sp>
-        <p:sp>
-          <p:nvSpPr>
-            <p:cNvPr id="500" name="CustomShape 10"/>
-            <p:cNvSpPr/>
-            <p:nvPr/>
-          </p:nvSpPr>
-          <p:spPr>
-            <a:xfrm>
-              <a:off x="846720" y="1182960"/>
-              <a:ext cx="32040" cy="31320"/>
-            </a:xfrm>
-            <a:custGeom>
-              <a:avLst/>
-              <a:gdLst/>
-              <a:ahLst/>
-              <a:rect l="l" t="t" r="r" b="b"/>
-              <a:pathLst>
-                <a:path w="1876" h="1876">
-                  <a:moveTo>
-                    <a:pt x="1632" y="219"/>
-                  </a:moveTo>
-                  <a:lnTo>
-                    <a:pt x="1632" y="219"/>
-                  </a:lnTo>
-                  <a:lnTo>
-                    <a:pt x="1510" y="122"/>
-                  </a:lnTo>
-                  <a:lnTo>
-                    <a:pt x="1388" y="49"/>
-                  </a:lnTo>
-                  <a:lnTo>
-                    <a:pt x="1242" y="0"/>
-                  </a:lnTo>
-                  <a:lnTo>
-                    <a:pt x="1096" y="0"/>
-                  </a:lnTo>
-                  <a:lnTo>
-                    <a:pt x="950" y="0"/>
-                  </a:lnTo>
-                  <a:lnTo>
-                    <a:pt x="828" y="49"/>
-                  </a:lnTo>
-                  <a:lnTo>
-                    <a:pt x="682" y="122"/>
-                  </a:lnTo>
-                  <a:lnTo>
-                    <a:pt x="560" y="219"/>
-                  </a:lnTo>
-                  <a:lnTo>
-                    <a:pt x="560" y="219"/>
-                  </a:lnTo>
-                  <a:lnTo>
-                    <a:pt x="463" y="366"/>
-                  </a:lnTo>
-                  <a:lnTo>
-                    <a:pt x="341" y="609"/>
-                  </a:lnTo>
-                  <a:lnTo>
-                    <a:pt x="244" y="877"/>
-                  </a:lnTo>
-                  <a:lnTo>
-                    <a:pt x="171" y="1145"/>
-                  </a:lnTo>
-                  <a:lnTo>
-                    <a:pt x="25" y="1656"/>
-                  </a:lnTo>
-                  <a:lnTo>
-                    <a:pt x="0" y="1876"/>
-                  </a:lnTo>
-                  <a:lnTo>
-                    <a:pt x="0" y="1876"/>
-                  </a:lnTo>
-                  <a:lnTo>
-                    <a:pt x="195" y="1827"/>
-                  </a:lnTo>
-                  <a:lnTo>
-                    <a:pt x="707" y="1705"/>
-                  </a:lnTo>
-                  <a:lnTo>
-                    <a:pt x="999" y="1608"/>
-                  </a:lnTo>
-                  <a:lnTo>
-                    <a:pt x="1267" y="1510"/>
-                  </a:lnTo>
-                  <a:lnTo>
-                    <a:pt x="1486" y="1413"/>
-                  </a:lnTo>
-                  <a:lnTo>
-                    <a:pt x="1632" y="1291"/>
-                  </a:lnTo>
-                  <a:lnTo>
-                    <a:pt x="1632" y="1291"/>
-                  </a:lnTo>
-                  <a:lnTo>
-                    <a:pt x="1729" y="1169"/>
-                  </a:lnTo>
-                  <a:lnTo>
-                    <a:pt x="1802" y="1048"/>
-                  </a:lnTo>
-                  <a:lnTo>
-                    <a:pt x="1851" y="901"/>
-                  </a:lnTo>
-                  <a:lnTo>
-                    <a:pt x="1876" y="755"/>
-                  </a:lnTo>
-                  <a:lnTo>
-                    <a:pt x="1851" y="609"/>
-                  </a:lnTo>
-                  <a:lnTo>
-                    <a:pt x="1802" y="463"/>
-                  </a:lnTo>
-                  <a:lnTo>
-                    <a:pt x="1729" y="341"/>
-                  </a:lnTo>
-                  <a:lnTo>
-                    <a:pt x="1632" y="219"/>
-                  </a:lnTo>
-                  <a:lnTo>
-                    <a:pt x="1632" y="219"/>
-                  </a:lnTo>
-                  <a:close/>
-                </a:path>
-              </a:pathLst>
-            </a:custGeom>
-            <a:noFill/>
-            <a:ln cap="rnd" w="9360">
-              <a:solidFill>
-                <a:schemeClr val="dk1"/>
-              </a:solidFill>
-              <a:round/>
-            </a:ln>
-          </p:spPr>
-          <p:style>
-            <a:lnRef idx="0"/>
-            <a:fillRef idx="0"/>
-            <a:effectRef idx="0"/>
-            <a:fontRef idx="minor"/>
-          </p:style>
-        </p:sp>
-      </p:grpSp>
-      <p:pic>
-        <p:nvPicPr>
-          <p:cNvPr id="501" name="Picture 3" descr=""/>
-          <p:cNvPicPr/>
-          <p:nvPr/>
-        </p:nvPicPr>
-        <p:blipFill>
-          <a:blip r:embed="rId1">
-            <a:alphaModFix amt="50000"/>
-          </a:blip>
-          <a:stretch/>
-        </p:blipFill>
-        <p:spPr>
-          <a:xfrm>
-            <a:off x="636840" y="2011680"/>
-            <a:ext cx="5489640" cy="2512080"/>
-          </a:xfrm>
-          <a:prstGeom prst="rect">
-            <a:avLst/>
-          </a:prstGeom>
-          <a:ln>
-            <a:noFill/>
-          </a:ln>
-        </p:spPr>
-      </p:pic>
     </p:spTree>
   </p:cSld>
   <mc:AlternateContent>
@@ -24667,7 +24614,7 @@
                 <a:spcPct val="100000"/>
               </a:lnSpc>
             </a:pPr>
-            <a:fld id="{061BB13B-E407-4500-B5FA-57A46E7CFF93}" type="slidenum">
+            <a:fld id="{EBFE3657-19CC-43B0-9139-F8F96E36CE3F}" type="slidenum">
               <a:rPr b="0" lang="en" sz="1000" spc="-1" strike="noStrike">
                 <a:solidFill>
                   <a:srgbClr val="1d1d1b"/>
@@ -24760,15 +24707,13 @@
           <p:nvPr/>
         </p:nvPicPr>
         <p:blipFill>
-          <a:blip r:embed="rId1">
-            <a:alphaModFix amt="50000"/>
-          </a:blip>
+          <a:blip r:embed="rId1"/>
           <a:stretch/>
         </p:blipFill>
         <p:spPr>
           <a:xfrm>
-            <a:off x="2186640" y="1920240"/>
-            <a:ext cx="4397040" cy="2650680"/>
+            <a:off x="2194560" y="2103120"/>
+            <a:ext cx="3749040" cy="2260080"/>
           </a:xfrm>
           <a:prstGeom prst="rect">
             <a:avLst/>
@@ -25812,8 +25757,8 @@
         </p:nvSpPr>
         <p:spPr>
           <a:xfrm>
-            <a:off x="6815520" y="2286000"/>
-            <a:ext cx="1962720" cy="1994040"/>
+            <a:off x="6766560" y="2242440"/>
+            <a:ext cx="1630080" cy="775080"/>
           </a:xfrm>
           <a:prstGeom prst="rect">
             <a:avLst/>
@@ -25844,6 +25789,7 @@
             </a:endParaRPr>
           </a:p>
           <a:p>
+            <a:pPr algn="ctr"/>
             <a:endParaRPr b="0" lang="en-US" sz="1400" spc="-1" strike="noStrike">
               <a:latin typeface="Arial"/>
             </a:endParaRPr>
@@ -25860,11 +25806,6 @@
               </a:rPr>
               <a:t>Just have a look :)</a:t>
             </a:r>
-            <a:endParaRPr b="0" lang="en-US" sz="1400" spc="-1" strike="noStrike">
-              <a:latin typeface="Arial"/>
-            </a:endParaRPr>
-          </a:p>
-          <a:p>
             <a:endParaRPr b="0" lang="en-US" sz="1400" spc="-1" strike="noStrike">
               <a:latin typeface="Arial"/>
             </a:endParaRPr>
@@ -27025,7 +26966,7 @@
                 <a:spcPct val="100000"/>
               </a:lnSpc>
             </a:pPr>
-            <a:fld id="{501FCE38-6C99-42F5-A6B7-503F4B5AE89D}" type="slidenum">
+            <a:fld id="{7D2F1578-1094-4DDA-86E8-66575D93AE62}" type="slidenum">
               <a:rPr b="0" lang="en" sz="1000" spc="-1" strike="noStrike">
                 <a:solidFill>
                   <a:srgbClr val="1d1d1b"/>
@@ -27709,9 +27650,7 @@
           <p:nvPr/>
         </p:nvPicPr>
         <p:blipFill>
-          <a:blip r:embed="rId1">
-            <a:alphaModFix amt="50000"/>
-          </a:blip>
+          <a:blip r:embed="rId1"/>
           <a:stretch/>
         </p:blipFill>
         <p:spPr>
@@ -45852,7 +45791,7 @@
                 <a:spcPct val="100000"/>
               </a:lnSpc>
             </a:pPr>
-            <a:fld id="{6F8FABA1-22C9-4965-B042-3224A132BEBD}" type="slidenum">
+            <a:fld id="{E0FC3A9B-A90D-4005-80A8-9B9466E39D59}" type="slidenum">
               <a:rPr b="0" lang="en" sz="1000" spc="-1" strike="noStrike">
                 <a:solidFill>
                   <a:srgbClr val="1d1d1b"/>
@@ -45876,8 +45815,8 @@
         </p:nvSpPr>
         <p:spPr>
           <a:xfrm>
-            <a:off x="822960" y="4764600"/>
-            <a:ext cx="7255080" cy="346680"/>
+            <a:off x="931680" y="4754880"/>
+            <a:ext cx="4097520" cy="232560"/>
           </a:xfrm>
           <a:prstGeom prst="rect">
             <a:avLst/>
@@ -45914,13 +45853,13 @@
           <a:blip r:embed="rId1">
             <a:alphaModFix amt="50000"/>
           </a:blip>
-          <a:srcRect l="0" t="29387" r="0" b="26791"/>
+          <a:srcRect l="0" t="29382" r="0" b="26786"/>
           <a:stretch/>
         </p:blipFill>
         <p:spPr>
           <a:xfrm>
-            <a:off x="231840" y="4764600"/>
-            <a:ext cx="591120" cy="264600"/>
+            <a:off x="232200" y="4728600"/>
+            <a:ext cx="590760" cy="264240"/>
           </a:xfrm>
           <a:prstGeom prst="rect">
             <a:avLst/>
@@ -46108,7 +46047,7 @@
                 <a:spcPct val="100000"/>
               </a:lnSpc>
             </a:pPr>
-            <a:fld id="{1069FEE4-5356-422B-8218-440FC4C2A671}" type="slidenum">
+            <a:fld id="{9BA77EF9-8373-4841-A1E0-4A5499B8B641}" type="slidenum">
               <a:rPr b="0" lang="en" sz="1000" spc="-1" strike="noStrike">
                 <a:solidFill>
                   <a:srgbClr val="1d1d1b"/>
@@ -46702,9 +46641,7 @@
           <p:nvPr/>
         </p:nvPicPr>
         <p:blipFill>
-          <a:blip r:embed="rId1">
-            <a:alphaModFix amt="50000"/>
-          </a:blip>
+          <a:blip r:embed="rId1"/>
           <a:stretch/>
         </p:blipFill>
         <p:spPr>
@@ -46727,9 +46664,7 @@
           <p:nvPr/>
         </p:nvPicPr>
         <p:blipFill>
-          <a:blip r:embed="rId2">
-            <a:alphaModFix amt="50000"/>
-          </a:blip>
+          <a:blip r:embed="rId2"/>
           <a:stretch/>
         </p:blipFill>
         <p:spPr>
@@ -46863,7 +46798,7 @@
                 <a:latin typeface="Lora"/>
                 <a:ea typeface="Lora"/>
               </a:rPr>
-              <a:t>The </a:t>
+              <a:t>EDA </a:t>
             </a:r>
             <a:r>
               <a:rPr b="1" lang="en-GB" sz="2000" spc="-1" strike="noStrike">
@@ -47667,7 +47602,7 @@
                 <a:spcPct val="100000"/>
               </a:lnSpc>
             </a:pPr>
-            <a:fld id="{20CE4A9B-5F03-45D4-82C0-357379770F7C}" type="slidenum">
+            <a:fld id="{2223D418-A4D3-4070-B934-9A9405A099F4}" type="slidenum">
               <a:rPr b="0" lang="en" sz="1000" spc="-1" strike="noStrike">
                 <a:solidFill>
                   <a:srgbClr val="1d1d1b"/>
@@ -47972,7 +47907,7 @@
                 <a:spcPct val="100000"/>
               </a:lnSpc>
             </a:pPr>
-            <a:fld id="{80DEA532-9BB5-465E-89FD-194D2EF123B2}" type="slidenum">
+            <a:fld id="{17808DD5-BCF9-4E69-A070-73DBE74C1B27}" type="slidenum">
               <a:rPr b="0" lang="en" sz="1000" spc="-1" strike="noStrike">
                 <a:solidFill>
                   <a:srgbClr val="1d1d1b"/>
@@ -49112,7 +49047,7 @@
                 <a:spcPct val="100000"/>
               </a:lnSpc>
             </a:pPr>
-            <a:fld id="{849955A7-59D3-4BD1-8108-2D7240310BDD}" type="slidenum">
+            <a:fld id="{E4DF5E04-8E7E-4403-8D8D-8B141D5E66EA}" type="slidenum">
               <a:rPr b="0" lang="en" sz="1000" spc="-1" strike="noStrike">
                 <a:solidFill>
                   <a:srgbClr val="1d1d1b"/>
@@ -50945,7 +50880,7 @@
                 <a:spcPct val="100000"/>
               </a:lnSpc>
             </a:pPr>
-            <a:fld id="{B9CCA8A7-7205-4CD9-8572-CF740D93DB2C}" type="slidenum">
+            <a:fld id="{34F5665F-9932-472F-9EE2-E6979F13F7AB}" type="slidenum">
               <a:rPr b="0" lang="en" sz="1000" spc="-1" strike="noStrike">
                 <a:solidFill>
                   <a:srgbClr val="1d1d1b"/>
@@ -50968,9 +50903,7 @@
           <p:nvPr/>
         </p:nvPicPr>
         <p:blipFill>
-          <a:blip r:embed="rId1">
-            <a:alphaModFix amt="50000"/>
-          </a:blip>
+          <a:blip r:embed="rId1"/>
           <a:srcRect l="0" t="15744" r="0" b="8253"/>
           <a:stretch/>
         </p:blipFill>
@@ -50994,9 +50927,7 @@
           <p:nvPr/>
         </p:nvPicPr>
         <p:blipFill>
-          <a:blip r:embed="rId2">
-            <a:alphaModFix amt="50000"/>
-          </a:blip>
+          <a:blip r:embed="rId2"/>
           <a:stretch/>
         </p:blipFill>
         <p:spPr>
@@ -52509,7 +52440,7 @@
                 <a:spcPct val="100000"/>
               </a:lnSpc>
             </a:pPr>
-            <a:fld id="{A8CFD3A4-E72B-4468-82E3-BEF3BE525481}" type="slidenum">
+            <a:fld id="{DBD3EFC6-74C4-4428-AE91-5FDC52547935}" type="slidenum">
               <a:rPr b="0" lang="en" sz="1000" spc="-1" strike="noStrike">
                 <a:solidFill>
                   <a:srgbClr val="1d1d1b"/>
@@ -53166,7 +53097,7 @@
                 <a:spcPct val="100000"/>
               </a:lnSpc>
             </a:pPr>
-            <a:fld id="{77B4BD9B-D9D3-4A77-96A2-FA98D3013FF5}" type="slidenum">
+            <a:fld id="{6BB69B85-1B4F-4EFE-BC7E-5D3E358F6532}" type="slidenum">
               <a:rPr b="0" lang="en" sz="1000" spc="-1" strike="noStrike">
                 <a:solidFill>
                   <a:srgbClr val="1d1d1b"/>
@@ -54888,7 +54819,7 @@
         <p:spPr>
           <a:xfrm>
             <a:off x="878400" y="1564560"/>
-            <a:ext cx="7503120" cy="2647800"/>
+            <a:ext cx="7503120" cy="2647080"/>
           </a:xfrm>
           <a:prstGeom prst="rect">
             <a:avLst/>
@@ -55027,7 +54958,7 @@
                 <a:latin typeface="Arial"/>
                 <a:ea typeface="Arial"/>
               </a:rPr>
-              <a:t>How many apps are there per genre? What percentage do they represent?</a:t>
+              <a:t>How many apps are there per genre? what percentage do they represent?</a:t>
             </a:r>
             <a:endParaRPr b="0" lang="en-US" sz="1400" spc="-1" strike="noStrike">
               <a:latin typeface="Arial"/>
@@ -55077,37 +55008,7 @@
                 <a:latin typeface="Arial"/>
                 <a:ea typeface="Arial"/>
               </a:rPr>
-              <a:t>How does the average user rating value depend on user rating counts (all version)? </a:t>
-            </a:r>
-            <a:r>
-              <a:rPr b="0" lang="en-GB" sz="1400" spc="-1" strike="noStrike">
-                <a:solidFill>
-                  <a:srgbClr val="000000"/>
-                </a:solidFill>
-                <a:latin typeface="Arial"/>
-                <a:ea typeface="Arial"/>
-              </a:rPr>
-              <a:t>Does the user rating valu</a:t>
-            </a:r>
-            <a:r>
-              <a:rPr b="0" lang="en-GB" sz="1400" spc="-1" strike="noStrike">
-                <a:solidFill>
-                  <a:srgbClr val="000000"/>
-                </a:solidFill>
-                <a:latin typeface="Arial"/>
-                <a:ea typeface="Arial"/>
-              </a:rPr>
-              <a:t>e (all versions) </a:t>
-            </a:r>
-            <a:r>
-              <a:rPr b="0" lang="en-GB" sz="1400" spc="-1" strike="noStrike">
-                <a:solidFill>
-                  <a:srgbClr val="000000"/>
-                </a:solidFill>
-                <a:latin typeface="Arial"/>
-                <a:ea typeface="Arial"/>
-              </a:rPr>
-              <a:t>correlate with any other variable? </a:t>
+              <a:t>How does the average user rating value depend on user rating counts (all version)? Does the user rating value (all versions) correlate with any other variable?</a:t>
             </a:r>
             <a:endParaRPr b="0" lang="en-US" sz="1400" spc="-1" strike="noStrike">
               <a:latin typeface="Arial"/>
